--- a/Python Урок 6 Функція. Рекурсія.pptx
+++ b/Python Урок 6 Функція. Рекурсія.pptx
@@ -10,6 +10,8 @@
     <p:sldId id="258" r:id="rId4"/>
     <p:sldId id="259" r:id="rId5"/>
     <p:sldId id="260" r:id="rId6"/>
+    <p:sldId id="261" r:id="rId7"/>
+    <p:sldId id="262" r:id="rId8"/>
   </p:sldIdLst>
   <p:sldSz cx="12192000" cy="6858000"/>
   <p:notesSz cx="6858000" cy="9144000"/>
@@ -108,6 +110,11 @@
       </a:defRPr>
     </a:lvl9pPr>
   </p:defaultTextStyle>
+  <p:extLst>
+    <p:ext uri="{EFAFB233-063F-42B5-8137-9DF3F51BA10A}">
+      <p15:sldGuideLst xmlns:p15="http://schemas.microsoft.com/office/powerpoint/2012/main"/>
+    </p:ext>
+  </p:extLst>
 </p:presentation>
 </file>
 
@@ -260,7 +267,7 @@
           <a:p>
             <a:fld id="{35F3F541-C603-432C-850D-26098A256292}" type="datetimeFigureOut">
               <a:rPr lang="uk-UA" smtClean="0"/>
-              <a:t>13.08.2024</a:t>
+              <a:t>25.09.2024</a:t>
             </a:fld>
             <a:endParaRPr lang="uk-UA"/>
           </a:p>
@@ -460,7 +467,7 @@
           <a:p>
             <a:fld id="{35F3F541-C603-432C-850D-26098A256292}" type="datetimeFigureOut">
               <a:rPr lang="uk-UA" smtClean="0"/>
-              <a:t>13.08.2024</a:t>
+              <a:t>25.09.2024</a:t>
             </a:fld>
             <a:endParaRPr lang="uk-UA"/>
           </a:p>
@@ -670,7 +677,7 @@
           <a:p>
             <a:fld id="{35F3F541-C603-432C-850D-26098A256292}" type="datetimeFigureOut">
               <a:rPr lang="uk-UA" smtClean="0"/>
-              <a:t>13.08.2024</a:t>
+              <a:t>25.09.2024</a:t>
             </a:fld>
             <a:endParaRPr lang="uk-UA"/>
           </a:p>
@@ -870,7 +877,7 @@
           <a:p>
             <a:fld id="{35F3F541-C603-432C-850D-26098A256292}" type="datetimeFigureOut">
               <a:rPr lang="uk-UA" smtClean="0"/>
-              <a:t>13.08.2024</a:t>
+              <a:t>25.09.2024</a:t>
             </a:fld>
             <a:endParaRPr lang="uk-UA"/>
           </a:p>
@@ -1146,7 +1153,7 @@
           <a:p>
             <a:fld id="{35F3F541-C603-432C-850D-26098A256292}" type="datetimeFigureOut">
               <a:rPr lang="uk-UA" smtClean="0"/>
-              <a:t>13.08.2024</a:t>
+              <a:t>25.09.2024</a:t>
             </a:fld>
             <a:endParaRPr lang="uk-UA"/>
           </a:p>
@@ -1414,7 +1421,7 @@
           <a:p>
             <a:fld id="{35F3F541-C603-432C-850D-26098A256292}" type="datetimeFigureOut">
               <a:rPr lang="uk-UA" smtClean="0"/>
-              <a:t>13.08.2024</a:t>
+              <a:t>25.09.2024</a:t>
             </a:fld>
             <a:endParaRPr lang="uk-UA"/>
           </a:p>
@@ -1829,7 +1836,7 @@
           <a:p>
             <a:fld id="{35F3F541-C603-432C-850D-26098A256292}" type="datetimeFigureOut">
               <a:rPr lang="uk-UA" smtClean="0"/>
-              <a:t>13.08.2024</a:t>
+              <a:t>25.09.2024</a:t>
             </a:fld>
             <a:endParaRPr lang="uk-UA"/>
           </a:p>
@@ -1971,7 +1978,7 @@
           <a:p>
             <a:fld id="{35F3F541-C603-432C-850D-26098A256292}" type="datetimeFigureOut">
               <a:rPr lang="uk-UA" smtClean="0"/>
-              <a:t>13.08.2024</a:t>
+              <a:t>25.09.2024</a:t>
             </a:fld>
             <a:endParaRPr lang="uk-UA"/>
           </a:p>
@@ -2084,7 +2091,7 @@
           <a:p>
             <a:fld id="{35F3F541-C603-432C-850D-26098A256292}" type="datetimeFigureOut">
               <a:rPr lang="uk-UA" smtClean="0"/>
-              <a:t>13.08.2024</a:t>
+              <a:t>25.09.2024</a:t>
             </a:fld>
             <a:endParaRPr lang="uk-UA"/>
           </a:p>
@@ -2397,7 +2404,7 @@
           <a:p>
             <a:fld id="{35F3F541-C603-432C-850D-26098A256292}" type="datetimeFigureOut">
               <a:rPr lang="uk-UA" smtClean="0"/>
-              <a:t>13.08.2024</a:t>
+              <a:t>25.09.2024</a:t>
             </a:fld>
             <a:endParaRPr lang="uk-UA"/>
           </a:p>
@@ -2686,7 +2693,7 @@
           <a:p>
             <a:fld id="{35F3F541-C603-432C-850D-26098A256292}" type="datetimeFigureOut">
               <a:rPr lang="uk-UA" smtClean="0"/>
-              <a:t>13.08.2024</a:t>
+              <a:t>25.09.2024</a:t>
             </a:fld>
             <a:endParaRPr lang="uk-UA"/>
           </a:p>
@@ -2929,7 +2936,7 @@
           <a:p>
             <a:fld id="{35F3F541-C603-432C-850D-26098A256292}" type="datetimeFigureOut">
               <a:rPr lang="uk-UA" smtClean="0"/>
-              <a:t>13.08.2024</a:t>
+              <a:t>25.09.2024</a:t>
             </a:fld>
             <a:endParaRPr lang="uk-UA"/>
           </a:p>
@@ -6925,6 +6932,3861 @@
 </p:sld>
 </file>
 
+<file path=ppt/slides/slide6.xml><?xml version="1.0" encoding="utf-8"?>
+<p:sld xmlns:a="http://schemas.openxmlformats.org/drawingml/2006/main" xmlns:r="http://schemas.openxmlformats.org/officeDocument/2006/relationships" xmlns:p="http://schemas.openxmlformats.org/presentationml/2006/main">
+  <p:cSld>
+    <p:spTree>
+      <p:nvGrpSpPr>
+        <p:cNvPr id="1" name=""/>
+        <p:cNvGrpSpPr/>
+        <p:nvPr/>
+      </p:nvGrpSpPr>
+      <p:grpSpPr>
+        <a:xfrm>
+          <a:off x="0" y="0"/>
+          <a:ext cx="0" cy="0"/>
+          <a:chOff x="0" y="0"/>
+          <a:chExt cx="0" cy="0"/>
+        </a:xfrm>
+      </p:grpSpPr>
+      <p:sp>
+        <p:nvSpPr>
+          <p:cNvPr id="3" name="TextBox 2">
+            <a:extLst>
+              <a:ext uri="{FF2B5EF4-FFF2-40B4-BE49-F238E27FC236}">
+                <a16:creationId xmlns:a16="http://schemas.microsoft.com/office/drawing/2014/main" id="{1F75F0A1-2EEA-0549-560D-139C8D531EE3}"/>
+              </a:ext>
+            </a:extLst>
+          </p:cNvPr>
+          <p:cNvSpPr txBox="1"/>
+          <p:nvPr/>
+        </p:nvSpPr>
+        <p:spPr>
+          <a:xfrm>
+            <a:off x="-1" y="177432"/>
+            <a:ext cx="12192001" cy="646331"/>
+          </a:xfrm>
+          <a:prstGeom prst="rect">
+            <a:avLst/>
+          </a:prstGeom>
+          <a:noFill/>
+        </p:spPr>
+        <p:txBody>
+          <a:bodyPr wrap="square">
+            <a:spAutoFit/>
+          </a:bodyPr>
+          <a:lstStyle/>
+          <a:p>
+            <a:pPr algn="ctr"/>
+            <a:r>
+              <a:rPr lang="uk-UA" sz="3600" b="1" i="0" dirty="0">
+                <a:effectLst/>
+                <a:latin typeface="Roboto" panose="02000000000000000000" pitchFamily="2" charset="0"/>
+              </a:rPr>
+              <a:t>Що таке *</a:t>
+            </a:r>
+            <a:r>
+              <a:rPr lang="en-US" sz="3600" b="1" i="0" dirty="0" err="1">
+                <a:effectLst/>
+                <a:latin typeface="Roboto" panose="02000000000000000000" pitchFamily="2" charset="0"/>
+              </a:rPr>
+              <a:t>args</a:t>
+            </a:r>
+            <a:r>
+              <a:rPr lang="en-US" sz="3600" b="1" i="0" dirty="0">
+                <a:effectLst/>
+                <a:latin typeface="Roboto" panose="02000000000000000000" pitchFamily="2" charset="0"/>
+              </a:rPr>
+              <a:t> </a:t>
+            </a:r>
+            <a:r>
+              <a:rPr lang="uk-UA" sz="3600" b="1" i="0" dirty="0">
+                <a:effectLst/>
+                <a:latin typeface="Roboto" panose="02000000000000000000" pitchFamily="2" charset="0"/>
+              </a:rPr>
+              <a:t>та **</a:t>
+            </a:r>
+            <a:r>
+              <a:rPr lang="en-US" sz="3600" b="1" i="0" dirty="0" err="1">
+                <a:effectLst/>
+                <a:latin typeface="Roboto" panose="02000000000000000000" pitchFamily="2" charset="0"/>
+              </a:rPr>
+              <a:t>kwargs</a:t>
+            </a:r>
+            <a:r>
+              <a:rPr lang="en-US" sz="3600" b="1" i="0" dirty="0">
+                <a:effectLst/>
+                <a:latin typeface="Roboto" panose="02000000000000000000" pitchFamily="2" charset="0"/>
+              </a:rPr>
+              <a:t> </a:t>
+            </a:r>
+            <a:r>
+              <a:rPr lang="uk-UA" sz="3600" b="1" i="0" dirty="0">
+                <a:effectLst/>
+                <a:latin typeface="Roboto" panose="02000000000000000000" pitchFamily="2" charset="0"/>
+              </a:rPr>
+              <a:t>в </a:t>
+            </a:r>
+            <a:r>
+              <a:rPr lang="en-US" sz="3600" b="1" i="0" dirty="0">
+                <a:effectLst/>
+                <a:latin typeface="Roboto" panose="02000000000000000000" pitchFamily="2" charset="0"/>
+              </a:rPr>
+              <a:t>Python</a:t>
+            </a:r>
+          </a:p>
+        </p:txBody>
+      </p:sp>
+      <p:sp>
+        <p:nvSpPr>
+          <p:cNvPr id="4" name="Rectangle 1">
+            <a:extLst>
+              <a:ext uri="{FF2B5EF4-FFF2-40B4-BE49-F238E27FC236}">
+                <a16:creationId xmlns:a16="http://schemas.microsoft.com/office/drawing/2014/main" id="{7D50B9FC-CD39-75A8-4563-97FB714EA382}"/>
+              </a:ext>
+            </a:extLst>
+          </p:cNvPr>
+          <p:cNvSpPr>
+            <a:spLocks noChangeArrowheads="1"/>
+          </p:cNvSpPr>
+          <p:nvPr/>
+        </p:nvSpPr>
+        <p:spPr bwMode="auto">
+          <a:xfrm>
+            <a:off x="127820" y="916097"/>
+            <a:ext cx="11690555" cy="646331"/>
+          </a:xfrm>
+          <a:prstGeom prst="rect">
+            <a:avLst/>
+          </a:prstGeom>
+          <a:noFill/>
+          <a:ln>
+            <a:noFill/>
+          </a:ln>
+          <a:effectLst/>
+          <a:extLst>
+            <a:ext uri="{909E8E84-426E-40DD-AFC4-6F175D3DCCD1}">
+              <a14:hiddenFill xmlns:a14="http://schemas.microsoft.com/office/drawing/2010/main">
+                <a:solidFill>
+                  <a:schemeClr val="accent1"/>
+                </a:solidFill>
+              </a14:hiddenFill>
+            </a:ext>
+            <a:ext uri="{91240B29-F687-4F45-9708-019B960494DF}">
+              <a14:hiddenLine xmlns:a14="http://schemas.microsoft.com/office/drawing/2010/main" w="9525">
+                <a:solidFill>
+                  <a:schemeClr val="tx1"/>
+                </a:solidFill>
+                <a:miter lim="800000"/>
+                <a:headEnd/>
+                <a:tailEnd/>
+              </a14:hiddenLine>
+            </a:ext>
+            <a:ext uri="{AF507438-7753-43E0-B8FC-AC1667EBCBE1}">
+              <a14:hiddenEffects xmlns:a14="http://schemas.microsoft.com/office/drawing/2010/main">
+                <a:effectLst>
+                  <a:outerShdw dist="35921" dir="2700000" algn="ctr" rotWithShape="0">
+                    <a:schemeClr val="bg2"/>
+                  </a:outerShdw>
+                </a:effectLst>
+              </a14:hiddenEffects>
+            </a:ext>
+          </a:extLst>
+        </p:spPr>
+        <p:txBody>
+          <a:bodyPr vert="horz" wrap="square" lIns="91440" tIns="45720" rIns="91440" bIns="45720" numCol="1" anchor="ctr" anchorCtr="0" compatLnSpc="1">
+            <a:prstTxWarp prst="textNoShape">
+              <a:avLst/>
+            </a:prstTxWarp>
+            <a:spAutoFit/>
+          </a:bodyPr>
+          <a:lstStyle>
+            <a:lvl1pPr eaLnBrk="0" fontAlgn="base" hangingPunct="0">
+              <a:spcBef>
+                <a:spcPct val="0"/>
+              </a:spcBef>
+              <a:spcAft>
+                <a:spcPct val="0"/>
+              </a:spcAft>
+              <a:defRPr>
+                <a:solidFill>
+                  <a:schemeClr val="tx1"/>
+                </a:solidFill>
+                <a:latin typeface="Arial" panose="020B0604020202020204" pitchFamily="34" charset="0"/>
+              </a:defRPr>
+            </a:lvl1pPr>
+            <a:lvl2pPr eaLnBrk="0" fontAlgn="base" hangingPunct="0">
+              <a:spcBef>
+                <a:spcPct val="0"/>
+              </a:spcBef>
+              <a:spcAft>
+                <a:spcPct val="0"/>
+              </a:spcAft>
+              <a:defRPr>
+                <a:solidFill>
+                  <a:schemeClr val="tx1"/>
+                </a:solidFill>
+                <a:latin typeface="Arial" panose="020B0604020202020204" pitchFamily="34" charset="0"/>
+              </a:defRPr>
+            </a:lvl2pPr>
+            <a:lvl3pPr eaLnBrk="0" fontAlgn="base" hangingPunct="0">
+              <a:spcBef>
+                <a:spcPct val="0"/>
+              </a:spcBef>
+              <a:spcAft>
+                <a:spcPct val="0"/>
+              </a:spcAft>
+              <a:defRPr>
+                <a:solidFill>
+                  <a:schemeClr val="tx1"/>
+                </a:solidFill>
+                <a:latin typeface="Arial" panose="020B0604020202020204" pitchFamily="34" charset="0"/>
+              </a:defRPr>
+            </a:lvl3pPr>
+            <a:lvl4pPr eaLnBrk="0" fontAlgn="base" hangingPunct="0">
+              <a:spcBef>
+                <a:spcPct val="0"/>
+              </a:spcBef>
+              <a:spcAft>
+                <a:spcPct val="0"/>
+              </a:spcAft>
+              <a:defRPr>
+                <a:solidFill>
+                  <a:schemeClr val="tx1"/>
+                </a:solidFill>
+                <a:latin typeface="Arial" panose="020B0604020202020204" pitchFamily="34" charset="0"/>
+              </a:defRPr>
+            </a:lvl4pPr>
+            <a:lvl5pPr eaLnBrk="0" fontAlgn="base" hangingPunct="0">
+              <a:spcBef>
+                <a:spcPct val="0"/>
+              </a:spcBef>
+              <a:spcAft>
+                <a:spcPct val="0"/>
+              </a:spcAft>
+              <a:defRPr>
+                <a:solidFill>
+                  <a:schemeClr val="tx1"/>
+                </a:solidFill>
+                <a:latin typeface="Arial" panose="020B0604020202020204" pitchFamily="34" charset="0"/>
+              </a:defRPr>
+            </a:lvl5pPr>
+            <a:lvl6pPr eaLnBrk="0" fontAlgn="base" hangingPunct="0">
+              <a:spcBef>
+                <a:spcPct val="0"/>
+              </a:spcBef>
+              <a:spcAft>
+                <a:spcPct val="0"/>
+              </a:spcAft>
+              <a:defRPr>
+                <a:solidFill>
+                  <a:schemeClr val="tx1"/>
+                </a:solidFill>
+                <a:latin typeface="Arial" panose="020B0604020202020204" pitchFamily="34" charset="0"/>
+              </a:defRPr>
+            </a:lvl6pPr>
+            <a:lvl7pPr eaLnBrk="0" fontAlgn="base" hangingPunct="0">
+              <a:spcBef>
+                <a:spcPct val="0"/>
+              </a:spcBef>
+              <a:spcAft>
+                <a:spcPct val="0"/>
+              </a:spcAft>
+              <a:defRPr>
+                <a:solidFill>
+                  <a:schemeClr val="tx1"/>
+                </a:solidFill>
+                <a:latin typeface="Arial" panose="020B0604020202020204" pitchFamily="34" charset="0"/>
+              </a:defRPr>
+            </a:lvl7pPr>
+            <a:lvl8pPr eaLnBrk="0" fontAlgn="base" hangingPunct="0">
+              <a:spcBef>
+                <a:spcPct val="0"/>
+              </a:spcBef>
+              <a:spcAft>
+                <a:spcPct val="0"/>
+              </a:spcAft>
+              <a:defRPr>
+                <a:solidFill>
+                  <a:schemeClr val="tx1"/>
+                </a:solidFill>
+                <a:latin typeface="Arial" panose="020B0604020202020204" pitchFamily="34" charset="0"/>
+              </a:defRPr>
+            </a:lvl8pPr>
+            <a:lvl9pPr eaLnBrk="0" fontAlgn="base" hangingPunct="0">
+              <a:spcBef>
+                <a:spcPct val="0"/>
+              </a:spcBef>
+              <a:spcAft>
+                <a:spcPct val="0"/>
+              </a:spcAft>
+              <a:defRPr>
+                <a:solidFill>
+                  <a:schemeClr val="tx1"/>
+                </a:solidFill>
+                <a:latin typeface="Arial" panose="020B0604020202020204" pitchFamily="34" charset="0"/>
+              </a:defRPr>
+            </a:lvl9pPr>
+          </a:lstStyle>
+          <a:p>
+            <a:pPr marL="0" marR="0" lvl="0" indent="0" algn="l" defTabSz="914400" rtl="0" eaLnBrk="0" fontAlgn="base" latinLnBrk="0" hangingPunct="0">
+              <a:lnSpc>
+                <a:spcPct val="100000"/>
+              </a:lnSpc>
+              <a:spcBef>
+                <a:spcPct val="0"/>
+              </a:spcBef>
+              <a:spcAft>
+                <a:spcPct val="0"/>
+              </a:spcAft>
+              <a:buClrTx/>
+              <a:buSzTx/>
+              <a:buFontTx/>
+              <a:buNone/>
+              <a:tabLst/>
+            </a:pPr>
+            <a:r>
+              <a:rPr kumimoji="0" lang="uk-UA" altLang="uk-UA" sz="1600" b="0" i="0" u="none" strike="noStrike" cap="none" normalizeH="0" baseline="0" dirty="0">
+                <a:ln>
+                  <a:noFill/>
+                </a:ln>
+                <a:solidFill>
+                  <a:schemeClr val="tx1"/>
+                </a:solidFill>
+                <a:effectLst/>
+                <a:latin typeface="Courier New" panose="02070309020205020404" pitchFamily="49" charset="0"/>
+                <a:cs typeface="Courier New" panose="02070309020205020404" pitchFamily="49" charset="0"/>
+              </a:rPr>
+              <a:t>**</a:t>
+            </a:r>
+            <a:r>
+              <a:rPr kumimoji="0" lang="uk-UA" altLang="uk-UA" sz="1600" b="0" i="0" u="none" strike="noStrike" cap="none" normalizeH="0" baseline="0" dirty="0" err="1">
+                <a:ln>
+                  <a:noFill/>
+                </a:ln>
+                <a:solidFill>
+                  <a:schemeClr val="tx1"/>
+                </a:solidFill>
+                <a:effectLst/>
+                <a:latin typeface="Courier New" panose="02070309020205020404" pitchFamily="49" charset="0"/>
+                <a:cs typeface="Courier New" panose="02070309020205020404" pitchFamily="49" charset="0"/>
+              </a:rPr>
+              <a:t>args</a:t>
+            </a:r>
+            <a:r>
+              <a:rPr kumimoji="0" lang="uk-UA" altLang="uk-UA" sz="1600" b="0" i="0" u="none" strike="noStrike" cap="none" normalizeH="0" baseline="0" dirty="0">
+                <a:ln>
+                  <a:noFill/>
+                </a:ln>
+                <a:solidFill>
+                  <a:srgbClr val="EEEEEE"/>
+                </a:solidFill>
+                <a:effectLst/>
+                <a:latin typeface="Roboto" panose="02000000000000000000" pitchFamily="2" charset="0"/>
+              </a:rPr>
+              <a:t> </a:t>
+            </a:r>
+            <a:r>
+              <a:rPr kumimoji="0" lang="uk-UA" altLang="uk-UA" sz="1600" b="0" i="0" u="none" strike="noStrike" cap="none" normalizeH="0" baseline="0" dirty="0">
+                <a:ln>
+                  <a:noFill/>
+                </a:ln>
+                <a:effectLst/>
+                <a:latin typeface="Roboto" panose="02000000000000000000" pitchFamily="2" charset="0"/>
+              </a:rPr>
+              <a:t>і</a:t>
+            </a:r>
+            <a:r>
+              <a:rPr kumimoji="0" lang="uk-UA" altLang="uk-UA" sz="3600" b="0" i="0" u="none" strike="noStrike" cap="none" normalizeH="0" baseline="0" dirty="0">
+                <a:ln>
+                  <a:noFill/>
+                </a:ln>
+                <a:solidFill>
+                  <a:srgbClr val="EEEEEE"/>
+                </a:solidFill>
+                <a:effectLst/>
+                <a:latin typeface="Roboto" panose="02000000000000000000" pitchFamily="2" charset="0"/>
+              </a:rPr>
+              <a:t> </a:t>
+            </a:r>
+            <a:r>
+              <a:rPr kumimoji="0" lang="uk-UA" altLang="uk-UA" sz="1600" b="0" i="0" u="none" strike="noStrike" cap="none" normalizeH="0" baseline="0" dirty="0">
+                <a:ln>
+                  <a:noFill/>
+                </a:ln>
+                <a:solidFill>
+                  <a:schemeClr val="tx1"/>
+                </a:solidFill>
+                <a:effectLst/>
+                <a:latin typeface="Courier New" panose="02070309020205020404" pitchFamily="49" charset="0"/>
+                <a:cs typeface="Courier New" panose="02070309020205020404" pitchFamily="49" charset="0"/>
+              </a:rPr>
+              <a:t>**</a:t>
+            </a:r>
+            <a:r>
+              <a:rPr kumimoji="0" lang="uk-UA" altLang="uk-UA" sz="1600" b="0" i="0" u="none" strike="noStrike" cap="none" normalizeH="0" baseline="0" dirty="0" err="1">
+                <a:ln>
+                  <a:noFill/>
+                </a:ln>
+                <a:solidFill>
+                  <a:schemeClr val="tx1"/>
+                </a:solidFill>
+                <a:effectLst/>
+                <a:latin typeface="Courier New" panose="02070309020205020404" pitchFamily="49" charset="0"/>
+                <a:cs typeface="Courier New" panose="02070309020205020404" pitchFamily="49" charset="0"/>
+              </a:rPr>
+              <a:t>kwargs</a:t>
+            </a:r>
+            <a:r>
+              <a:rPr kumimoji="0" lang="uk-UA" altLang="uk-UA" sz="1600" b="0" i="0" u="none" strike="noStrike" cap="none" normalizeH="0" baseline="0" dirty="0">
+                <a:ln>
+                  <a:noFill/>
+                </a:ln>
+                <a:solidFill>
+                  <a:srgbClr val="EEEEEE"/>
+                </a:solidFill>
+                <a:effectLst/>
+                <a:latin typeface="Roboto" panose="02000000000000000000" pitchFamily="2" charset="0"/>
+              </a:rPr>
+              <a:t> </a:t>
+            </a:r>
+            <a:r>
+              <a:rPr kumimoji="0" lang="uk-UA" altLang="uk-UA" sz="1600" b="0" i="0" u="none" strike="noStrike" cap="none" normalizeH="0" baseline="0" dirty="0">
+                <a:ln>
+                  <a:noFill/>
+                </a:ln>
+                <a:effectLst/>
+                <a:latin typeface="Roboto" panose="02000000000000000000" pitchFamily="2" charset="0"/>
+              </a:rPr>
+              <a:t>- це загальні ідіоми, які дозволяють передати у функцію довільне число аргументів</a:t>
+            </a:r>
+            <a:r>
+              <a:rPr kumimoji="0" lang="uk-UA" altLang="uk-UA" sz="2400" b="0" i="0" u="none" strike="noStrike" cap="none" normalizeH="0" baseline="0" dirty="0">
+                <a:ln>
+                  <a:noFill/>
+                </a:ln>
+                <a:effectLst/>
+                <a:latin typeface="Roboto" panose="02000000000000000000" pitchFamily="2" charset="0"/>
+              </a:rPr>
+              <a:t>.</a:t>
+            </a:r>
+            <a:r>
+              <a:rPr kumimoji="0" lang="uk-UA" altLang="uk-UA" sz="1200" b="0" i="0" u="none" strike="noStrike" cap="none" normalizeH="0" baseline="0" dirty="0">
+                <a:ln>
+                  <a:noFill/>
+                </a:ln>
+                <a:effectLst/>
+              </a:rPr>
+              <a:t> </a:t>
+            </a:r>
+            <a:endParaRPr kumimoji="0" lang="uk-UA" altLang="uk-UA" sz="3600" b="0" i="0" u="none" strike="noStrike" cap="none" normalizeH="0" baseline="0" dirty="0">
+              <a:ln>
+                <a:noFill/>
+              </a:ln>
+              <a:effectLst/>
+              <a:latin typeface="Arial" panose="020B0604020202020204" pitchFamily="34" charset="0"/>
+            </a:endParaRPr>
+          </a:p>
+        </p:txBody>
+      </p:sp>
+      <p:sp>
+        <p:nvSpPr>
+          <p:cNvPr id="5" name="Rectangle 2">
+            <a:extLst>
+              <a:ext uri="{FF2B5EF4-FFF2-40B4-BE49-F238E27FC236}">
+                <a16:creationId xmlns:a16="http://schemas.microsoft.com/office/drawing/2014/main" id="{B24B8E90-F3EC-21EF-F962-B9AB687C2421}"/>
+              </a:ext>
+            </a:extLst>
+          </p:cNvPr>
+          <p:cNvSpPr>
+            <a:spLocks noChangeArrowheads="1"/>
+          </p:cNvSpPr>
+          <p:nvPr/>
+        </p:nvSpPr>
+        <p:spPr bwMode="auto">
+          <a:xfrm>
+            <a:off x="127820" y="1562428"/>
+            <a:ext cx="9025228" cy="400110"/>
+          </a:xfrm>
+          <a:prstGeom prst="rect">
+            <a:avLst/>
+          </a:prstGeom>
+          <a:noFill/>
+          <a:ln>
+            <a:noFill/>
+          </a:ln>
+          <a:effectLst/>
+          <a:extLst>
+            <a:ext uri="{909E8E84-426E-40DD-AFC4-6F175D3DCCD1}">
+              <a14:hiddenFill xmlns:a14="http://schemas.microsoft.com/office/drawing/2010/main">
+                <a:solidFill>
+                  <a:schemeClr val="accent1"/>
+                </a:solidFill>
+              </a14:hiddenFill>
+            </a:ext>
+            <a:ext uri="{91240B29-F687-4F45-9708-019B960494DF}">
+              <a14:hiddenLine xmlns:a14="http://schemas.microsoft.com/office/drawing/2010/main" w="9525">
+                <a:solidFill>
+                  <a:schemeClr val="tx1"/>
+                </a:solidFill>
+                <a:miter lim="800000"/>
+                <a:headEnd/>
+                <a:tailEnd/>
+              </a14:hiddenLine>
+            </a:ext>
+            <a:ext uri="{AF507438-7753-43E0-B8FC-AC1667EBCBE1}">
+              <a14:hiddenEffects xmlns:a14="http://schemas.microsoft.com/office/drawing/2010/main">
+                <a:effectLst>
+                  <a:outerShdw dist="35921" dir="2700000" algn="ctr" rotWithShape="0">
+                    <a:schemeClr val="bg2"/>
+                  </a:outerShdw>
+                </a:effectLst>
+              </a14:hiddenEffects>
+            </a:ext>
+          </a:extLst>
+        </p:spPr>
+        <p:txBody>
+          <a:bodyPr vert="horz" wrap="none" lIns="91440" tIns="45720" rIns="91440" bIns="45720" numCol="1" anchor="ctr" anchorCtr="0" compatLnSpc="1">
+            <a:prstTxWarp prst="textNoShape">
+              <a:avLst/>
+            </a:prstTxWarp>
+            <a:spAutoFit/>
+          </a:bodyPr>
+          <a:lstStyle>
+            <a:lvl1pPr eaLnBrk="0" fontAlgn="base" hangingPunct="0">
+              <a:spcBef>
+                <a:spcPct val="0"/>
+              </a:spcBef>
+              <a:spcAft>
+                <a:spcPct val="0"/>
+              </a:spcAft>
+              <a:defRPr>
+                <a:solidFill>
+                  <a:schemeClr val="tx1"/>
+                </a:solidFill>
+                <a:latin typeface="Arial" panose="020B0604020202020204" pitchFamily="34" charset="0"/>
+              </a:defRPr>
+            </a:lvl1pPr>
+            <a:lvl2pPr eaLnBrk="0" fontAlgn="base" hangingPunct="0">
+              <a:spcBef>
+                <a:spcPct val="0"/>
+              </a:spcBef>
+              <a:spcAft>
+                <a:spcPct val="0"/>
+              </a:spcAft>
+              <a:defRPr>
+                <a:solidFill>
+                  <a:schemeClr val="tx1"/>
+                </a:solidFill>
+                <a:latin typeface="Arial" panose="020B0604020202020204" pitchFamily="34" charset="0"/>
+              </a:defRPr>
+            </a:lvl2pPr>
+            <a:lvl3pPr eaLnBrk="0" fontAlgn="base" hangingPunct="0">
+              <a:spcBef>
+                <a:spcPct val="0"/>
+              </a:spcBef>
+              <a:spcAft>
+                <a:spcPct val="0"/>
+              </a:spcAft>
+              <a:defRPr>
+                <a:solidFill>
+                  <a:schemeClr val="tx1"/>
+                </a:solidFill>
+                <a:latin typeface="Arial" panose="020B0604020202020204" pitchFamily="34" charset="0"/>
+              </a:defRPr>
+            </a:lvl3pPr>
+            <a:lvl4pPr eaLnBrk="0" fontAlgn="base" hangingPunct="0">
+              <a:spcBef>
+                <a:spcPct val="0"/>
+              </a:spcBef>
+              <a:spcAft>
+                <a:spcPct val="0"/>
+              </a:spcAft>
+              <a:defRPr>
+                <a:solidFill>
+                  <a:schemeClr val="tx1"/>
+                </a:solidFill>
+                <a:latin typeface="Arial" panose="020B0604020202020204" pitchFamily="34" charset="0"/>
+              </a:defRPr>
+            </a:lvl4pPr>
+            <a:lvl5pPr eaLnBrk="0" fontAlgn="base" hangingPunct="0">
+              <a:spcBef>
+                <a:spcPct val="0"/>
+              </a:spcBef>
+              <a:spcAft>
+                <a:spcPct val="0"/>
+              </a:spcAft>
+              <a:defRPr>
+                <a:solidFill>
+                  <a:schemeClr val="tx1"/>
+                </a:solidFill>
+                <a:latin typeface="Arial" panose="020B0604020202020204" pitchFamily="34" charset="0"/>
+              </a:defRPr>
+            </a:lvl5pPr>
+            <a:lvl6pPr eaLnBrk="0" fontAlgn="base" hangingPunct="0">
+              <a:spcBef>
+                <a:spcPct val="0"/>
+              </a:spcBef>
+              <a:spcAft>
+                <a:spcPct val="0"/>
+              </a:spcAft>
+              <a:defRPr>
+                <a:solidFill>
+                  <a:schemeClr val="tx1"/>
+                </a:solidFill>
+                <a:latin typeface="Arial" panose="020B0604020202020204" pitchFamily="34" charset="0"/>
+              </a:defRPr>
+            </a:lvl6pPr>
+            <a:lvl7pPr eaLnBrk="0" fontAlgn="base" hangingPunct="0">
+              <a:spcBef>
+                <a:spcPct val="0"/>
+              </a:spcBef>
+              <a:spcAft>
+                <a:spcPct val="0"/>
+              </a:spcAft>
+              <a:defRPr>
+                <a:solidFill>
+                  <a:schemeClr val="tx1"/>
+                </a:solidFill>
+                <a:latin typeface="Arial" panose="020B0604020202020204" pitchFamily="34" charset="0"/>
+              </a:defRPr>
+            </a:lvl7pPr>
+            <a:lvl8pPr eaLnBrk="0" fontAlgn="base" hangingPunct="0">
+              <a:spcBef>
+                <a:spcPct val="0"/>
+              </a:spcBef>
+              <a:spcAft>
+                <a:spcPct val="0"/>
+              </a:spcAft>
+              <a:defRPr>
+                <a:solidFill>
+                  <a:schemeClr val="tx1"/>
+                </a:solidFill>
+                <a:latin typeface="Arial" panose="020B0604020202020204" pitchFamily="34" charset="0"/>
+              </a:defRPr>
+            </a:lvl8pPr>
+            <a:lvl9pPr eaLnBrk="0" fontAlgn="base" hangingPunct="0">
+              <a:spcBef>
+                <a:spcPct val="0"/>
+              </a:spcBef>
+              <a:spcAft>
+                <a:spcPct val="0"/>
+              </a:spcAft>
+              <a:defRPr>
+                <a:solidFill>
+                  <a:schemeClr val="tx1"/>
+                </a:solidFill>
+                <a:latin typeface="Arial" panose="020B0604020202020204" pitchFamily="34" charset="0"/>
+              </a:defRPr>
+            </a:lvl9pPr>
+          </a:lstStyle>
+          <a:p>
+            <a:pPr marL="0" marR="0" lvl="0" indent="0" algn="l" defTabSz="914400" rtl="0" eaLnBrk="0" fontAlgn="base" latinLnBrk="0" hangingPunct="0">
+              <a:lnSpc>
+                <a:spcPct val="100000"/>
+              </a:lnSpc>
+              <a:spcBef>
+                <a:spcPct val="0"/>
+              </a:spcBef>
+              <a:spcAft>
+                <a:spcPct val="0"/>
+              </a:spcAft>
+              <a:buClrTx/>
+              <a:buSzTx/>
+              <a:buFontTx/>
+              <a:buNone/>
+              <a:tabLst/>
+            </a:pPr>
+            <a:r>
+              <a:rPr kumimoji="0" lang="uk-UA" altLang="uk-UA" sz="1400" b="0" i="0" u="none" strike="noStrike" cap="none" normalizeH="0" baseline="0">
+                <a:ln>
+                  <a:noFill/>
+                </a:ln>
+                <a:effectLst/>
+                <a:latin typeface="Courier New" panose="02070309020205020404" pitchFamily="49" charset="0"/>
+                <a:cs typeface="Courier New" panose="02070309020205020404" pitchFamily="49" charset="0"/>
+              </a:rPr>
+              <a:t>*args</a:t>
+            </a:r>
+            <a:r>
+              <a:rPr kumimoji="0" lang="uk-UA" altLang="uk-UA" sz="2000" b="0" i="0" u="none" strike="noStrike" cap="none" normalizeH="0" baseline="0">
+                <a:ln>
+                  <a:noFill/>
+                </a:ln>
+                <a:effectLst/>
+                <a:latin typeface="Roboto" panose="02000000000000000000" pitchFamily="2" charset="0"/>
+              </a:rPr>
+              <a:t> - повертає кортеж всіх переданих функції неіменованих аргументів:</a:t>
+            </a:r>
+            <a:r>
+              <a:rPr kumimoji="0" lang="uk-UA" altLang="uk-UA" sz="1100" b="0" i="0" u="none" strike="noStrike" cap="none" normalizeH="0" baseline="0">
+                <a:ln>
+                  <a:noFill/>
+                </a:ln>
+                <a:effectLst/>
+              </a:rPr>
+              <a:t> </a:t>
+            </a:r>
+            <a:endParaRPr kumimoji="0" lang="uk-UA" altLang="uk-UA" sz="3200" b="0" i="0" u="none" strike="noStrike" cap="none" normalizeH="0" baseline="0">
+              <a:ln>
+                <a:noFill/>
+              </a:ln>
+              <a:effectLst/>
+            </a:endParaRPr>
+          </a:p>
+        </p:txBody>
+      </p:sp>
+      <p:sp>
+        <p:nvSpPr>
+          <p:cNvPr id="6" name="Rectangle 3">
+            <a:extLst>
+              <a:ext uri="{FF2B5EF4-FFF2-40B4-BE49-F238E27FC236}">
+                <a16:creationId xmlns:a16="http://schemas.microsoft.com/office/drawing/2014/main" id="{0B60A7FA-F141-9EC4-4CE3-FE1016D36026}"/>
+              </a:ext>
+            </a:extLst>
+          </p:cNvPr>
+          <p:cNvSpPr>
+            <a:spLocks noChangeArrowheads="1"/>
+          </p:cNvSpPr>
+          <p:nvPr/>
+        </p:nvSpPr>
+        <p:spPr bwMode="auto">
+          <a:xfrm>
+            <a:off x="275304" y="2031788"/>
+            <a:ext cx="2242665" cy="1154162"/>
+          </a:xfrm>
+          <a:prstGeom prst="rect">
+            <a:avLst/>
+          </a:prstGeom>
+          <a:solidFill>
+            <a:srgbClr val="272822"/>
+          </a:solidFill>
+          <a:ln>
+            <a:noFill/>
+          </a:ln>
+          <a:effectLst/>
+          <a:extLst>
+            <a:ext uri="{91240B29-F687-4F45-9708-019B960494DF}">
+              <a14:hiddenLine xmlns:a14="http://schemas.microsoft.com/office/drawing/2010/main" w="9525">
+                <a:solidFill>
+                  <a:schemeClr val="tx1"/>
+                </a:solidFill>
+                <a:miter lim="800000"/>
+                <a:headEnd/>
+                <a:tailEnd/>
+              </a14:hiddenLine>
+            </a:ext>
+            <a:ext uri="{AF507438-7753-43E0-B8FC-AC1667EBCBE1}">
+              <a14:hiddenEffects xmlns:a14="http://schemas.microsoft.com/office/drawing/2010/main">
+                <a:effectLst>
+                  <a:outerShdw dist="35921" dir="2700000" algn="ctr" rotWithShape="0">
+                    <a:schemeClr val="bg2"/>
+                  </a:outerShdw>
+                </a:effectLst>
+              </a14:hiddenEffects>
+            </a:ext>
+          </a:extLst>
+        </p:spPr>
+        <p:txBody>
+          <a:bodyPr vert="horz" wrap="none" lIns="91440" tIns="0" rIns="91440" bIns="45720" numCol="1" anchor="ctr" anchorCtr="0" compatLnSpc="1">
+            <a:prstTxWarp prst="textNoShape">
+              <a:avLst/>
+            </a:prstTxWarp>
+            <a:spAutoFit/>
+          </a:bodyPr>
+          <a:lstStyle/>
+          <a:p>
+            <a:pPr marL="0" marR="0" lvl="0" indent="0" algn="l" defTabSz="914400" rtl="0" eaLnBrk="0" fontAlgn="base" latinLnBrk="0" hangingPunct="0">
+              <a:lnSpc>
+                <a:spcPct val="100000"/>
+              </a:lnSpc>
+              <a:spcBef>
+                <a:spcPct val="0"/>
+              </a:spcBef>
+              <a:spcAft>
+                <a:spcPct val="0"/>
+              </a:spcAft>
+              <a:buClrTx/>
+              <a:buSzTx/>
+              <a:buFontTx/>
+              <a:buNone/>
+              <a:tabLst/>
+            </a:pPr>
+            <a:r>
+              <a:rPr kumimoji="0" lang="uk-UA" altLang="uk-UA" b="0" i="0" u="none" strike="noStrike" cap="none" normalizeH="0" baseline="0" dirty="0">
+                <a:ln>
+                  <a:noFill/>
+                </a:ln>
+                <a:solidFill>
+                  <a:srgbClr val="75715E"/>
+                </a:solidFill>
+                <a:effectLst/>
+                <a:latin typeface="SFMono-Regular"/>
+              </a:rPr>
+              <a:t>&gt;&gt;&gt;</a:t>
+            </a:r>
+            <a:r>
+              <a:rPr kumimoji="0" lang="uk-UA" altLang="uk-UA" b="0" i="0" u="none" strike="noStrike" cap="none" normalizeH="0" baseline="0" dirty="0">
+                <a:ln>
+                  <a:noFill/>
+                </a:ln>
+                <a:solidFill>
+                  <a:srgbClr val="DDDDDD"/>
+                </a:solidFill>
+                <a:effectLst/>
+                <a:latin typeface="SFMono-Regular"/>
+              </a:rPr>
+              <a:t> </a:t>
+            </a:r>
+            <a:r>
+              <a:rPr kumimoji="0" lang="uk-UA" altLang="uk-UA" b="1" i="0" u="none" strike="noStrike" cap="none" normalizeH="0" baseline="0" dirty="0" err="1">
+                <a:ln>
+                  <a:noFill/>
+                </a:ln>
+                <a:solidFill>
+                  <a:srgbClr val="F92672"/>
+                </a:solidFill>
+                <a:effectLst/>
+                <a:latin typeface="SFMono-Regular"/>
+              </a:rPr>
+              <a:t>def</a:t>
+            </a:r>
+            <a:r>
+              <a:rPr kumimoji="0" lang="uk-UA" altLang="uk-UA" b="0" i="0" u="none" strike="noStrike" cap="none" normalizeH="0" baseline="0" dirty="0">
+                <a:ln>
+                  <a:noFill/>
+                </a:ln>
+                <a:solidFill>
+                  <a:srgbClr val="DDDDDD"/>
+                </a:solidFill>
+                <a:effectLst/>
+                <a:latin typeface="SFMono-Regular"/>
+              </a:rPr>
+              <a:t> </a:t>
+            </a:r>
+            <a:r>
+              <a:rPr kumimoji="0" lang="uk-UA" altLang="uk-UA" b="1" i="0" u="none" strike="noStrike" cap="none" normalizeH="0" baseline="0" dirty="0" err="1">
+                <a:ln>
+                  <a:noFill/>
+                </a:ln>
+                <a:solidFill>
+                  <a:srgbClr val="A6E22E"/>
+                </a:solidFill>
+                <a:effectLst/>
+                <a:latin typeface="SFMono-Regular"/>
+              </a:rPr>
+              <a:t>foo</a:t>
+            </a:r>
+            <a:r>
+              <a:rPr kumimoji="0" lang="uk-UA" altLang="uk-UA" b="0" i="0" u="none" strike="noStrike" cap="none" normalizeH="0" baseline="0" dirty="0">
+                <a:ln>
+                  <a:noFill/>
+                </a:ln>
+                <a:solidFill>
+                  <a:srgbClr val="DDDDDD"/>
+                </a:solidFill>
+                <a:effectLst/>
+                <a:latin typeface="SFMono-Regular"/>
+              </a:rPr>
+              <a:t>(*</a:t>
+            </a:r>
+            <a:r>
+              <a:rPr kumimoji="0" lang="uk-UA" altLang="uk-UA" b="0" i="0" u="none" strike="noStrike" cap="none" normalizeH="0" baseline="0" dirty="0" err="1">
+                <a:ln>
+                  <a:noFill/>
+                </a:ln>
+                <a:solidFill>
+                  <a:srgbClr val="DDDDDD"/>
+                </a:solidFill>
+                <a:effectLst/>
+                <a:latin typeface="SFMono-Regular"/>
+              </a:rPr>
+              <a:t>args</a:t>
+            </a:r>
+            <a:r>
+              <a:rPr kumimoji="0" lang="uk-UA" altLang="uk-UA" b="0" i="0" u="none" strike="noStrike" cap="none" normalizeH="0" baseline="0" dirty="0">
+                <a:ln>
+                  <a:noFill/>
+                </a:ln>
+                <a:solidFill>
+                  <a:srgbClr val="DDDDDD"/>
+                </a:solidFill>
+                <a:effectLst/>
+                <a:latin typeface="SFMono-Regular"/>
+              </a:rPr>
+              <a:t>, g): </a:t>
+            </a:r>
+          </a:p>
+          <a:p>
+            <a:pPr marL="0" marR="0" lvl="0" indent="0" algn="l" defTabSz="914400" rtl="0" eaLnBrk="0" fontAlgn="base" latinLnBrk="0" hangingPunct="0">
+              <a:lnSpc>
+                <a:spcPct val="100000"/>
+              </a:lnSpc>
+              <a:spcBef>
+                <a:spcPct val="0"/>
+              </a:spcBef>
+              <a:spcAft>
+                <a:spcPct val="0"/>
+              </a:spcAft>
+              <a:buClrTx/>
+              <a:buSzTx/>
+              <a:buFontTx/>
+              <a:buNone/>
+              <a:tabLst/>
+            </a:pPr>
+            <a:r>
+              <a:rPr kumimoji="0" lang="uk-UA" altLang="uk-UA" b="0" i="0" u="none" strike="noStrike" cap="none" normalizeH="0" baseline="0" dirty="0">
+                <a:ln>
+                  <a:noFill/>
+                </a:ln>
+                <a:solidFill>
+                  <a:srgbClr val="DDDDDD"/>
+                </a:solidFill>
+                <a:effectLst/>
+                <a:latin typeface="SFMono-Regular"/>
+              </a:rPr>
+              <a:t>           </a:t>
+            </a:r>
+            <a:r>
+              <a:rPr kumimoji="0" lang="uk-UA" altLang="uk-UA" b="0" i="0" u="none" strike="noStrike" cap="none" normalizeH="0" baseline="0" dirty="0" err="1">
+                <a:ln>
+                  <a:noFill/>
+                </a:ln>
+                <a:solidFill>
+                  <a:srgbClr val="DDDDDD"/>
+                </a:solidFill>
+                <a:effectLst/>
+                <a:latin typeface="SFMono-Regular"/>
+              </a:rPr>
+              <a:t>print</a:t>
+            </a:r>
+            <a:r>
+              <a:rPr kumimoji="0" lang="uk-UA" altLang="uk-UA" b="0" i="0" u="none" strike="noStrike" cap="none" normalizeH="0" baseline="0" dirty="0">
+                <a:ln>
+                  <a:noFill/>
+                </a:ln>
+                <a:solidFill>
+                  <a:srgbClr val="DDDDDD"/>
+                </a:solidFill>
+                <a:effectLst/>
+                <a:latin typeface="SFMono-Regular"/>
+              </a:rPr>
+              <a:t> (</a:t>
+            </a:r>
+            <a:r>
+              <a:rPr kumimoji="0" lang="uk-UA" altLang="uk-UA" b="0" i="0" u="none" strike="noStrike" cap="none" normalizeH="0" baseline="0" dirty="0" err="1">
+                <a:ln>
+                  <a:noFill/>
+                </a:ln>
+                <a:solidFill>
+                  <a:srgbClr val="DDDDDD"/>
+                </a:solidFill>
+                <a:effectLst/>
+                <a:latin typeface="SFMono-Regular"/>
+              </a:rPr>
+              <a:t>args</a:t>
+            </a:r>
+            <a:r>
+              <a:rPr kumimoji="0" lang="uk-UA" altLang="uk-UA" b="0" i="0" u="none" strike="noStrike" cap="none" normalizeH="0" baseline="0" dirty="0">
+                <a:ln>
+                  <a:noFill/>
+                </a:ln>
+                <a:solidFill>
+                  <a:srgbClr val="DDDDDD"/>
+                </a:solidFill>
+                <a:effectLst/>
+                <a:latin typeface="SFMono-Regular"/>
+              </a:rPr>
+              <a:t>) </a:t>
+            </a:r>
+          </a:p>
+          <a:p>
+            <a:pPr marL="0" marR="0" lvl="0" indent="0" algn="l" defTabSz="914400" rtl="0" eaLnBrk="0" fontAlgn="base" latinLnBrk="0" hangingPunct="0">
+              <a:lnSpc>
+                <a:spcPct val="100000"/>
+              </a:lnSpc>
+              <a:spcBef>
+                <a:spcPct val="0"/>
+              </a:spcBef>
+              <a:spcAft>
+                <a:spcPct val="0"/>
+              </a:spcAft>
+              <a:buClrTx/>
+              <a:buSzTx/>
+              <a:buFontTx/>
+              <a:buNone/>
+              <a:tabLst/>
+            </a:pPr>
+            <a:r>
+              <a:rPr kumimoji="0" lang="uk-UA" altLang="uk-UA" b="0" i="0" u="none" strike="noStrike" cap="none" normalizeH="0" baseline="0" dirty="0">
+                <a:ln>
+                  <a:noFill/>
+                </a:ln>
+                <a:solidFill>
+                  <a:srgbClr val="75715E"/>
+                </a:solidFill>
+                <a:effectLst/>
+                <a:latin typeface="SFMono-Regular"/>
+              </a:rPr>
+              <a:t>&gt;&gt;&gt;</a:t>
+            </a:r>
+            <a:r>
+              <a:rPr kumimoji="0" lang="uk-UA" altLang="uk-UA" b="0" i="0" u="none" strike="noStrike" cap="none" normalizeH="0" baseline="0" dirty="0">
+                <a:ln>
+                  <a:noFill/>
+                </a:ln>
+                <a:solidFill>
+                  <a:srgbClr val="DDDDDD"/>
+                </a:solidFill>
+                <a:effectLst/>
+                <a:latin typeface="SFMono-Regular"/>
+              </a:rPr>
+              <a:t> </a:t>
+            </a:r>
+            <a:r>
+              <a:rPr kumimoji="0" lang="uk-UA" altLang="uk-UA" b="0" i="0" u="none" strike="noStrike" cap="none" normalizeH="0" baseline="0" dirty="0" err="1">
+                <a:ln>
+                  <a:noFill/>
+                </a:ln>
+                <a:solidFill>
+                  <a:srgbClr val="DDDDDD"/>
+                </a:solidFill>
+                <a:effectLst/>
+                <a:latin typeface="SFMono-Regular"/>
+              </a:rPr>
+              <a:t>foo</a:t>
+            </a:r>
+            <a:r>
+              <a:rPr kumimoji="0" lang="uk-UA" altLang="uk-UA" b="0" i="0" u="none" strike="noStrike" cap="none" normalizeH="0" baseline="0" dirty="0">
+                <a:ln>
+                  <a:noFill/>
+                </a:ln>
+                <a:solidFill>
+                  <a:srgbClr val="DDDDDD"/>
+                </a:solidFill>
+                <a:effectLst/>
+                <a:latin typeface="SFMono-Regular"/>
+              </a:rPr>
+              <a:t>(1,2,3,g=6) </a:t>
+            </a:r>
+          </a:p>
+          <a:p>
+            <a:pPr marL="0" marR="0" lvl="0" indent="0" algn="l" defTabSz="914400" rtl="0" eaLnBrk="0" fontAlgn="base" latinLnBrk="0" hangingPunct="0">
+              <a:lnSpc>
+                <a:spcPct val="100000"/>
+              </a:lnSpc>
+              <a:spcBef>
+                <a:spcPct val="0"/>
+              </a:spcBef>
+              <a:spcAft>
+                <a:spcPct val="0"/>
+              </a:spcAft>
+              <a:buClrTx/>
+              <a:buSzTx/>
+              <a:buFontTx/>
+              <a:buNone/>
+              <a:tabLst/>
+            </a:pPr>
+            <a:r>
+              <a:rPr kumimoji="0" lang="uk-UA" altLang="uk-UA" b="0" i="0" u="none" strike="noStrike" cap="none" normalizeH="0" baseline="0" dirty="0">
+                <a:ln>
+                  <a:noFill/>
+                </a:ln>
+                <a:solidFill>
+                  <a:srgbClr val="DDDDDD"/>
+                </a:solidFill>
+                <a:effectLst/>
+                <a:latin typeface="SFMono-Regular"/>
+              </a:rPr>
+              <a:t>(1, 2, 3)</a:t>
+            </a:r>
+            <a:r>
+              <a:rPr kumimoji="0" lang="uk-UA" altLang="uk-UA" sz="1400" b="0" i="0" u="none" strike="noStrike" cap="none" normalizeH="0" baseline="0" dirty="0">
+                <a:ln>
+                  <a:noFill/>
+                </a:ln>
+                <a:solidFill>
+                  <a:schemeClr val="tx1"/>
+                </a:solidFill>
+                <a:effectLst/>
+              </a:rPr>
+              <a:t> </a:t>
+            </a:r>
+            <a:endParaRPr kumimoji="0" lang="uk-UA" altLang="uk-UA" sz="4000" b="0" i="0" u="none" strike="noStrike" cap="none" normalizeH="0" baseline="0" dirty="0">
+              <a:ln>
+                <a:noFill/>
+              </a:ln>
+              <a:solidFill>
+                <a:schemeClr val="tx1"/>
+              </a:solidFill>
+              <a:effectLst/>
+              <a:latin typeface="Arial" panose="020B0604020202020204" pitchFamily="34" charset="0"/>
+            </a:endParaRPr>
+          </a:p>
+        </p:txBody>
+      </p:sp>
+      <p:sp>
+        <p:nvSpPr>
+          <p:cNvPr id="7" name="Rectangle 4">
+            <a:extLst>
+              <a:ext uri="{FF2B5EF4-FFF2-40B4-BE49-F238E27FC236}">
+                <a16:creationId xmlns:a16="http://schemas.microsoft.com/office/drawing/2014/main" id="{C91FB77B-5DC8-D3D7-1400-AFE7DAF68CBE}"/>
+              </a:ext>
+            </a:extLst>
+          </p:cNvPr>
+          <p:cNvSpPr>
+            <a:spLocks noChangeArrowheads="1"/>
+          </p:cNvSpPr>
+          <p:nvPr/>
+        </p:nvSpPr>
+        <p:spPr bwMode="auto">
+          <a:xfrm>
+            <a:off x="275304" y="3255200"/>
+            <a:ext cx="11623695" cy="1384995"/>
+          </a:xfrm>
+          <a:prstGeom prst="rect">
+            <a:avLst/>
+          </a:prstGeom>
+          <a:noFill/>
+          <a:ln>
+            <a:noFill/>
+          </a:ln>
+          <a:effectLst/>
+        </p:spPr>
+        <p:txBody>
+          <a:bodyPr vert="horz" wrap="none" lIns="91440" tIns="45720" rIns="91440" bIns="45720" numCol="1" anchor="ctr" anchorCtr="0" compatLnSpc="1">
+            <a:prstTxWarp prst="textNoShape">
+              <a:avLst/>
+            </a:prstTxWarp>
+            <a:spAutoFit/>
+          </a:bodyPr>
+          <a:lstStyle/>
+          <a:p>
+            <a:pPr marL="0" marR="0" lvl="0" indent="0" algn="l" defTabSz="914400" rtl="0" eaLnBrk="0" fontAlgn="base" latinLnBrk="0" hangingPunct="0">
+              <a:lnSpc>
+                <a:spcPct val="100000"/>
+              </a:lnSpc>
+              <a:spcBef>
+                <a:spcPct val="0"/>
+              </a:spcBef>
+              <a:spcAft>
+                <a:spcPct val="0"/>
+              </a:spcAft>
+              <a:buClrTx/>
+              <a:buSzTx/>
+              <a:buFontTx/>
+              <a:buNone/>
+              <a:tabLst/>
+            </a:pPr>
+            <a:r>
+              <a:rPr kumimoji="0" lang="uk-UA" altLang="uk-UA" sz="1400" b="0" i="0" u="none" strike="noStrike" cap="none" normalizeH="0" baseline="0">
+                <a:ln>
+                  <a:noFill/>
+                </a:ln>
+                <a:effectLst/>
+                <a:latin typeface="Courier New" panose="02070309020205020404" pitchFamily="49" charset="0"/>
+                <a:cs typeface="Courier New" panose="02070309020205020404" pitchFamily="49" charset="0"/>
+              </a:rPr>
+              <a:t>**kwargs</a:t>
+            </a:r>
+            <a:r>
+              <a:rPr kumimoji="0" lang="uk-UA" altLang="uk-UA" sz="2000" b="0" i="0" u="none" strike="noStrike" cap="none" normalizeH="0" baseline="0">
+                <a:ln>
+                  <a:noFill/>
+                </a:ln>
+                <a:effectLst/>
+                <a:latin typeface="Roboto" panose="02000000000000000000" pitchFamily="2" charset="0"/>
+              </a:rPr>
+              <a:t> повертає словник всіх іменованих аргументів функції, окрім тих, що визначені окремо:</a:t>
+            </a:r>
+            <a:endParaRPr kumimoji="0" lang="uk-UA" altLang="uk-UA" sz="1100" b="0" i="0" u="none" strike="noStrike" cap="none" normalizeH="0" baseline="0">
+              <a:ln>
+                <a:noFill/>
+              </a:ln>
+              <a:effectLst/>
+            </a:endParaRPr>
+          </a:p>
+          <a:p>
+            <a:pPr marL="0" marR="0" lvl="0" indent="0" algn="l" defTabSz="914400" rtl="0" eaLnBrk="0" fontAlgn="base" latinLnBrk="0" hangingPunct="0">
+              <a:lnSpc>
+                <a:spcPct val="100000"/>
+              </a:lnSpc>
+              <a:spcBef>
+                <a:spcPct val="0"/>
+              </a:spcBef>
+              <a:spcAft>
+                <a:spcPct val="0"/>
+              </a:spcAft>
+              <a:buClrTx/>
+              <a:buSzTx/>
+              <a:buFontTx/>
+              <a:buNone/>
+              <a:tabLst/>
+            </a:pPr>
+            <a:br>
+              <a:rPr kumimoji="0" lang="uk-UA" altLang="uk-UA" sz="3200" b="0" i="0" u="none" strike="noStrike" cap="none" normalizeH="0" baseline="0">
+                <a:ln>
+                  <a:noFill/>
+                </a:ln>
+                <a:effectLst/>
+                <a:latin typeface="Arial" panose="020B0604020202020204" pitchFamily="34" charset="0"/>
+              </a:rPr>
+            </a:br>
+            <a:endParaRPr kumimoji="0" lang="uk-UA" altLang="uk-UA" sz="3200" b="0" i="0" u="none" strike="noStrike" cap="none" normalizeH="0" baseline="0">
+              <a:ln>
+                <a:noFill/>
+              </a:ln>
+              <a:effectLst/>
+              <a:latin typeface="Arial" panose="020B0604020202020204" pitchFamily="34" charset="0"/>
+            </a:endParaRPr>
+          </a:p>
+        </p:txBody>
+      </p:sp>
+      <p:sp>
+        <p:nvSpPr>
+          <p:cNvPr id="8" name="Rectangle 5">
+            <a:extLst>
+              <a:ext uri="{FF2B5EF4-FFF2-40B4-BE49-F238E27FC236}">
+                <a16:creationId xmlns:a16="http://schemas.microsoft.com/office/drawing/2014/main" id="{C9762F61-A9C8-8C2D-CB8C-3214A3B5FAE0}"/>
+              </a:ext>
+            </a:extLst>
+          </p:cNvPr>
+          <p:cNvSpPr>
+            <a:spLocks noChangeArrowheads="1"/>
+          </p:cNvSpPr>
+          <p:nvPr/>
+        </p:nvSpPr>
+        <p:spPr bwMode="auto">
+          <a:xfrm>
+            <a:off x="275304" y="3724560"/>
+            <a:ext cx="3008772" cy="1154162"/>
+          </a:xfrm>
+          <a:prstGeom prst="rect">
+            <a:avLst/>
+          </a:prstGeom>
+          <a:solidFill>
+            <a:srgbClr val="272822"/>
+          </a:solidFill>
+          <a:ln>
+            <a:noFill/>
+          </a:ln>
+          <a:effectLst/>
+          <a:extLst>
+            <a:ext uri="{91240B29-F687-4F45-9708-019B960494DF}">
+              <a14:hiddenLine xmlns:a14="http://schemas.microsoft.com/office/drawing/2010/main" w="9525">
+                <a:solidFill>
+                  <a:schemeClr val="tx1"/>
+                </a:solidFill>
+                <a:miter lim="800000"/>
+                <a:headEnd/>
+                <a:tailEnd/>
+              </a14:hiddenLine>
+            </a:ext>
+            <a:ext uri="{AF507438-7753-43E0-B8FC-AC1667EBCBE1}">
+              <a14:hiddenEffects xmlns:a14="http://schemas.microsoft.com/office/drawing/2010/main">
+                <a:effectLst>
+                  <a:outerShdw dist="35921" dir="2700000" algn="ctr" rotWithShape="0">
+                    <a:schemeClr val="bg2"/>
+                  </a:outerShdw>
+                </a:effectLst>
+              </a14:hiddenEffects>
+            </a:ext>
+          </a:extLst>
+        </p:spPr>
+        <p:txBody>
+          <a:bodyPr vert="horz" wrap="none" lIns="91440" tIns="0" rIns="91440" bIns="45720" numCol="1" anchor="ctr" anchorCtr="0" compatLnSpc="1">
+            <a:prstTxWarp prst="textNoShape">
+              <a:avLst/>
+            </a:prstTxWarp>
+            <a:spAutoFit/>
+          </a:bodyPr>
+          <a:lstStyle/>
+          <a:p>
+            <a:pPr marL="0" marR="0" lvl="0" indent="0" algn="l" defTabSz="914400" rtl="0" eaLnBrk="0" fontAlgn="base" latinLnBrk="0" hangingPunct="0">
+              <a:lnSpc>
+                <a:spcPct val="100000"/>
+              </a:lnSpc>
+              <a:spcBef>
+                <a:spcPct val="0"/>
+              </a:spcBef>
+              <a:spcAft>
+                <a:spcPct val="0"/>
+              </a:spcAft>
+              <a:buClrTx/>
+              <a:buSzTx/>
+              <a:buFontTx/>
+              <a:buNone/>
+              <a:tabLst/>
+            </a:pPr>
+            <a:r>
+              <a:rPr kumimoji="0" lang="uk-UA" altLang="uk-UA" b="0" i="0" u="none" strike="noStrike" cap="none" normalizeH="0" baseline="0" dirty="0">
+                <a:ln>
+                  <a:noFill/>
+                </a:ln>
+                <a:solidFill>
+                  <a:srgbClr val="75715E"/>
+                </a:solidFill>
+                <a:effectLst/>
+                <a:latin typeface="SFMono-Regular"/>
+              </a:rPr>
+              <a:t>&gt;&gt;&gt; </a:t>
+            </a:r>
+            <a:r>
+              <a:rPr kumimoji="0" lang="uk-UA" altLang="uk-UA" b="1" i="0" u="none" strike="noStrike" cap="none" normalizeH="0" baseline="0" dirty="0" err="1">
+                <a:ln>
+                  <a:noFill/>
+                </a:ln>
+                <a:solidFill>
+                  <a:srgbClr val="F92672"/>
+                </a:solidFill>
+                <a:effectLst/>
+                <a:latin typeface="SFMono-Regular"/>
+              </a:rPr>
+              <a:t>def</a:t>
+            </a:r>
+            <a:r>
+              <a:rPr kumimoji="0" lang="uk-UA" altLang="uk-UA" b="0" i="0" u="none" strike="noStrike" cap="none" normalizeH="0" baseline="0" dirty="0">
+                <a:ln>
+                  <a:noFill/>
+                </a:ln>
+                <a:solidFill>
+                  <a:srgbClr val="DDDDDD"/>
+                </a:solidFill>
+                <a:effectLst/>
+                <a:latin typeface="SFMono-Regular"/>
+              </a:rPr>
+              <a:t> </a:t>
+            </a:r>
+            <a:r>
+              <a:rPr kumimoji="0" lang="uk-UA" altLang="uk-UA" b="1" i="0" u="none" strike="noStrike" cap="none" normalizeH="0" baseline="0" dirty="0" err="1">
+                <a:ln>
+                  <a:noFill/>
+                </a:ln>
+                <a:solidFill>
+                  <a:srgbClr val="A6E22E"/>
+                </a:solidFill>
+                <a:effectLst/>
+                <a:latin typeface="SFMono-Regular"/>
+              </a:rPr>
+              <a:t>foo</a:t>
+            </a:r>
+            <a:r>
+              <a:rPr kumimoji="0" lang="uk-UA" altLang="uk-UA" b="0" i="0" u="none" strike="noStrike" cap="none" normalizeH="0" baseline="0" dirty="0">
+                <a:ln>
+                  <a:noFill/>
+                </a:ln>
+                <a:solidFill>
+                  <a:srgbClr val="DDDDDD"/>
+                </a:solidFill>
+                <a:effectLst/>
+                <a:latin typeface="SFMono-Regular"/>
+              </a:rPr>
+              <a:t>(f, **</a:t>
+            </a:r>
+            <a:r>
+              <a:rPr kumimoji="0" lang="uk-UA" altLang="uk-UA" b="0" i="0" u="none" strike="noStrike" cap="none" normalizeH="0" baseline="0" dirty="0" err="1">
+                <a:ln>
+                  <a:noFill/>
+                </a:ln>
+                <a:solidFill>
+                  <a:srgbClr val="DDDDDD"/>
+                </a:solidFill>
+                <a:effectLst/>
+                <a:latin typeface="SFMono-Regular"/>
+              </a:rPr>
+              <a:t>kwargs</a:t>
+            </a:r>
+            <a:r>
+              <a:rPr kumimoji="0" lang="uk-UA" altLang="uk-UA" b="0" i="0" u="none" strike="noStrike" cap="none" normalizeH="0" baseline="0" dirty="0">
+                <a:ln>
+                  <a:noFill/>
+                </a:ln>
+                <a:solidFill>
+                  <a:srgbClr val="DDDDDD"/>
+                </a:solidFill>
+                <a:effectLst/>
+                <a:latin typeface="SFMono-Regular"/>
+              </a:rPr>
+              <a:t>): </a:t>
+            </a:r>
+          </a:p>
+          <a:p>
+            <a:pPr marL="0" marR="0" lvl="0" indent="0" algn="l" defTabSz="914400" rtl="0" eaLnBrk="0" fontAlgn="base" latinLnBrk="0" hangingPunct="0">
+              <a:lnSpc>
+                <a:spcPct val="100000"/>
+              </a:lnSpc>
+              <a:spcBef>
+                <a:spcPct val="0"/>
+              </a:spcBef>
+              <a:spcAft>
+                <a:spcPct val="0"/>
+              </a:spcAft>
+              <a:buClrTx/>
+              <a:buSzTx/>
+              <a:buFontTx/>
+              <a:buNone/>
+              <a:tabLst/>
+            </a:pPr>
+            <a:r>
+              <a:rPr lang="uk-UA" altLang="uk-UA" dirty="0">
+                <a:solidFill>
+                  <a:srgbClr val="DDDDDD"/>
+                </a:solidFill>
+                <a:latin typeface="SFMono-Regular"/>
+              </a:rPr>
+              <a:t>	</a:t>
+            </a:r>
+            <a:r>
+              <a:rPr kumimoji="0" lang="uk-UA" altLang="uk-UA" b="0" i="0" u="none" strike="noStrike" cap="none" normalizeH="0" baseline="0" dirty="0" err="1">
+                <a:ln>
+                  <a:noFill/>
+                </a:ln>
+                <a:solidFill>
+                  <a:srgbClr val="A6E22E"/>
+                </a:solidFill>
+                <a:effectLst/>
+                <a:latin typeface="SFMono-Regular"/>
+              </a:rPr>
+              <a:t>print</a:t>
+            </a:r>
+            <a:r>
+              <a:rPr kumimoji="0" lang="uk-UA" altLang="uk-UA" b="0" i="0" u="none" strike="noStrike" cap="none" normalizeH="0" baseline="0" dirty="0">
+                <a:ln>
+                  <a:noFill/>
+                </a:ln>
+                <a:solidFill>
+                  <a:srgbClr val="DDDDDD"/>
+                </a:solidFill>
+                <a:effectLst/>
+                <a:latin typeface="SFMono-Regular"/>
+              </a:rPr>
+              <a:t> (</a:t>
+            </a:r>
+            <a:r>
+              <a:rPr kumimoji="0" lang="uk-UA" altLang="uk-UA" b="0" i="0" u="none" strike="noStrike" cap="none" normalizeH="0" baseline="0" dirty="0" err="1">
+                <a:ln>
+                  <a:noFill/>
+                </a:ln>
+                <a:solidFill>
+                  <a:srgbClr val="DDDDDD"/>
+                </a:solidFill>
+                <a:effectLst/>
+                <a:latin typeface="SFMono-Regular"/>
+              </a:rPr>
+              <a:t>kwargs</a:t>
+            </a:r>
+            <a:r>
+              <a:rPr kumimoji="0" lang="uk-UA" altLang="uk-UA" b="0" i="0" u="none" strike="noStrike" cap="none" normalizeH="0" baseline="0" dirty="0">
+                <a:ln>
+                  <a:noFill/>
+                </a:ln>
+                <a:solidFill>
+                  <a:srgbClr val="DDDDDD"/>
+                </a:solidFill>
+                <a:effectLst/>
+                <a:latin typeface="SFMono-Regular"/>
+              </a:rPr>
+              <a:t>) </a:t>
+            </a:r>
+          </a:p>
+          <a:p>
+            <a:pPr marL="0" marR="0" lvl="0" indent="0" algn="l" defTabSz="914400" rtl="0" eaLnBrk="0" fontAlgn="base" latinLnBrk="0" hangingPunct="0">
+              <a:lnSpc>
+                <a:spcPct val="100000"/>
+              </a:lnSpc>
+              <a:spcBef>
+                <a:spcPct val="0"/>
+              </a:spcBef>
+              <a:spcAft>
+                <a:spcPct val="0"/>
+              </a:spcAft>
+              <a:buClrTx/>
+              <a:buSzTx/>
+              <a:buFontTx/>
+              <a:buNone/>
+              <a:tabLst/>
+            </a:pPr>
+            <a:r>
+              <a:rPr kumimoji="0" lang="uk-UA" altLang="uk-UA" b="0" i="0" u="none" strike="noStrike" cap="none" normalizeH="0" baseline="0" dirty="0">
+                <a:ln>
+                  <a:noFill/>
+                </a:ln>
+                <a:solidFill>
+                  <a:srgbClr val="75715E"/>
+                </a:solidFill>
+                <a:effectLst/>
+                <a:latin typeface="SFMono-Regular"/>
+              </a:rPr>
+              <a:t>&gt;&gt;&gt; </a:t>
+            </a:r>
+            <a:r>
+              <a:rPr kumimoji="0" lang="uk-UA" altLang="uk-UA" b="0" i="0" u="none" strike="noStrike" cap="none" normalizeH="0" baseline="0" dirty="0" err="1">
+                <a:ln>
+                  <a:noFill/>
+                </a:ln>
+                <a:solidFill>
+                  <a:srgbClr val="DDDDDD"/>
+                </a:solidFill>
+                <a:effectLst/>
+                <a:latin typeface="SFMono-Regular"/>
+              </a:rPr>
+              <a:t>foo</a:t>
+            </a:r>
+            <a:r>
+              <a:rPr kumimoji="0" lang="uk-UA" altLang="uk-UA" b="0" i="0" u="none" strike="noStrike" cap="none" normalizeH="0" baseline="0" dirty="0">
+                <a:ln>
+                  <a:noFill/>
+                </a:ln>
+                <a:solidFill>
+                  <a:srgbClr val="DDDDDD"/>
+                </a:solidFill>
+                <a:effectLst/>
+                <a:latin typeface="SFMono-Regular"/>
+              </a:rPr>
+              <a:t>(f=1, </a:t>
+            </a:r>
+            <a:r>
+              <a:rPr kumimoji="0" lang="uk-UA" altLang="uk-UA" b="0" i="0" u="none" strike="noStrike" cap="none" normalizeH="0" baseline="0" dirty="0" err="1">
+                <a:ln>
+                  <a:noFill/>
+                </a:ln>
+                <a:solidFill>
+                  <a:srgbClr val="DDDDDD"/>
+                </a:solidFill>
+                <a:effectLst/>
+                <a:latin typeface="SFMono-Regular"/>
+              </a:rPr>
+              <a:t>app</a:t>
+            </a:r>
+            <a:r>
+              <a:rPr kumimoji="0" lang="uk-UA" altLang="uk-UA" b="0" i="0" u="none" strike="noStrike" cap="none" normalizeH="0" baseline="0" dirty="0">
+                <a:ln>
+                  <a:noFill/>
+                </a:ln>
+                <a:solidFill>
+                  <a:srgbClr val="DDDDDD"/>
+                </a:solidFill>
+                <a:effectLst/>
+                <a:latin typeface="SFMono-Regular"/>
+              </a:rPr>
+              <a:t>=12, </a:t>
+            </a:r>
+            <a:r>
+              <a:rPr kumimoji="0" lang="uk-UA" altLang="uk-UA" b="0" i="0" u="none" strike="noStrike" cap="none" normalizeH="0" baseline="0" dirty="0" err="1">
+                <a:ln>
+                  <a:noFill/>
+                </a:ln>
+                <a:solidFill>
+                  <a:srgbClr val="DDDDDD"/>
+                </a:solidFill>
+                <a:effectLst/>
+                <a:latin typeface="SFMono-Regular"/>
+              </a:rPr>
+              <a:t>gen</a:t>
+            </a:r>
+            <a:r>
+              <a:rPr kumimoji="0" lang="uk-UA" altLang="uk-UA" b="0" i="0" u="none" strike="noStrike" cap="none" normalizeH="0" baseline="0" dirty="0">
+                <a:ln>
+                  <a:noFill/>
+                </a:ln>
+                <a:solidFill>
+                  <a:srgbClr val="DDDDDD"/>
+                </a:solidFill>
+                <a:effectLst/>
+                <a:latin typeface="SFMono-Regular"/>
+              </a:rPr>
+              <a:t>=23) </a:t>
+            </a:r>
+          </a:p>
+          <a:p>
+            <a:pPr marL="0" marR="0" lvl="0" indent="0" algn="l" defTabSz="914400" rtl="0" eaLnBrk="0" fontAlgn="base" latinLnBrk="0" hangingPunct="0">
+              <a:lnSpc>
+                <a:spcPct val="100000"/>
+              </a:lnSpc>
+              <a:spcBef>
+                <a:spcPct val="0"/>
+              </a:spcBef>
+              <a:spcAft>
+                <a:spcPct val="0"/>
+              </a:spcAft>
+              <a:buClrTx/>
+              <a:buSzTx/>
+              <a:buFontTx/>
+              <a:buNone/>
+              <a:tabLst/>
+            </a:pPr>
+            <a:r>
+              <a:rPr kumimoji="0" lang="uk-UA" altLang="uk-UA" b="0" i="0" u="none" strike="noStrike" cap="none" normalizeH="0" baseline="0" dirty="0">
+                <a:ln>
+                  <a:noFill/>
+                </a:ln>
+                <a:solidFill>
+                  <a:srgbClr val="DDDDDD"/>
+                </a:solidFill>
+                <a:effectLst/>
+                <a:latin typeface="SFMono-Regular"/>
+              </a:rPr>
+              <a:t>{</a:t>
+            </a:r>
+            <a:r>
+              <a:rPr kumimoji="0" lang="uk-UA" altLang="uk-UA" b="0" i="0" u="none" strike="noStrike" cap="none" normalizeH="0" baseline="0" dirty="0">
+                <a:ln>
+                  <a:noFill/>
+                </a:ln>
+                <a:solidFill>
+                  <a:srgbClr val="A6E22E"/>
+                </a:solidFill>
+                <a:effectLst/>
+                <a:latin typeface="SFMono-Regular"/>
+              </a:rPr>
+              <a:t>'</a:t>
+            </a:r>
+            <a:r>
+              <a:rPr kumimoji="0" lang="uk-UA" altLang="uk-UA" b="0" i="0" u="none" strike="noStrike" cap="none" normalizeH="0" baseline="0" dirty="0" err="1">
+                <a:ln>
+                  <a:noFill/>
+                </a:ln>
+                <a:solidFill>
+                  <a:srgbClr val="A6E22E"/>
+                </a:solidFill>
+                <a:effectLst/>
+                <a:latin typeface="SFMono-Regular"/>
+              </a:rPr>
+              <a:t>gen</a:t>
+            </a:r>
+            <a:r>
+              <a:rPr kumimoji="0" lang="uk-UA" altLang="uk-UA" b="0" i="0" u="none" strike="noStrike" cap="none" normalizeH="0" baseline="0" dirty="0">
+                <a:ln>
+                  <a:noFill/>
+                </a:ln>
+                <a:solidFill>
+                  <a:srgbClr val="A6E22E"/>
+                </a:solidFill>
+                <a:effectLst/>
+                <a:latin typeface="SFMono-Regular"/>
+              </a:rPr>
+              <a:t>'</a:t>
+            </a:r>
+            <a:r>
+              <a:rPr kumimoji="0" lang="uk-UA" altLang="uk-UA" b="0" i="0" u="none" strike="noStrike" cap="none" normalizeH="0" baseline="0" dirty="0">
+                <a:ln>
+                  <a:noFill/>
+                </a:ln>
+                <a:solidFill>
+                  <a:srgbClr val="DDDDDD"/>
+                </a:solidFill>
+                <a:effectLst/>
+                <a:latin typeface="SFMono-Regular"/>
+              </a:rPr>
+              <a:t>: 23, </a:t>
+            </a:r>
+            <a:r>
+              <a:rPr kumimoji="0" lang="uk-UA" altLang="uk-UA" b="0" i="0" u="none" strike="noStrike" cap="none" normalizeH="0" baseline="0" dirty="0">
+                <a:ln>
+                  <a:noFill/>
+                </a:ln>
+                <a:solidFill>
+                  <a:srgbClr val="A6E22E"/>
+                </a:solidFill>
+                <a:effectLst/>
+                <a:latin typeface="SFMono-Regular"/>
+              </a:rPr>
+              <a:t>'</a:t>
+            </a:r>
+            <a:r>
+              <a:rPr kumimoji="0" lang="uk-UA" altLang="uk-UA" b="0" i="0" u="none" strike="noStrike" cap="none" normalizeH="0" baseline="0" dirty="0" err="1">
+                <a:ln>
+                  <a:noFill/>
+                </a:ln>
+                <a:solidFill>
+                  <a:srgbClr val="A6E22E"/>
+                </a:solidFill>
+                <a:effectLst/>
+                <a:latin typeface="SFMono-Regular"/>
+              </a:rPr>
+              <a:t>app</a:t>
+            </a:r>
+            <a:r>
+              <a:rPr kumimoji="0" lang="uk-UA" altLang="uk-UA" b="0" i="0" u="none" strike="noStrike" cap="none" normalizeH="0" baseline="0" dirty="0">
+                <a:ln>
+                  <a:noFill/>
+                </a:ln>
+                <a:solidFill>
+                  <a:srgbClr val="A6E22E"/>
+                </a:solidFill>
+                <a:effectLst/>
+                <a:latin typeface="SFMono-Regular"/>
+              </a:rPr>
+              <a:t>'</a:t>
+            </a:r>
+            <a:r>
+              <a:rPr kumimoji="0" lang="uk-UA" altLang="uk-UA" b="0" i="0" u="none" strike="noStrike" cap="none" normalizeH="0" baseline="0" dirty="0">
+                <a:ln>
+                  <a:noFill/>
+                </a:ln>
+                <a:solidFill>
+                  <a:srgbClr val="DDDDDD"/>
+                </a:solidFill>
+                <a:effectLst/>
+                <a:latin typeface="SFMono-Regular"/>
+              </a:rPr>
+              <a:t>: 12}</a:t>
+            </a:r>
+            <a:r>
+              <a:rPr kumimoji="0" lang="uk-UA" altLang="uk-UA" sz="1400" b="0" i="0" u="none" strike="noStrike" cap="none" normalizeH="0" baseline="0" dirty="0">
+                <a:ln>
+                  <a:noFill/>
+                </a:ln>
+                <a:solidFill>
+                  <a:schemeClr val="tx1"/>
+                </a:solidFill>
+                <a:effectLst/>
+              </a:rPr>
+              <a:t> </a:t>
+            </a:r>
+            <a:endParaRPr kumimoji="0" lang="uk-UA" altLang="uk-UA" sz="4000" b="0" i="0" u="none" strike="noStrike" cap="none" normalizeH="0" baseline="0" dirty="0">
+              <a:ln>
+                <a:noFill/>
+              </a:ln>
+              <a:solidFill>
+                <a:schemeClr val="tx1"/>
+              </a:solidFill>
+              <a:effectLst/>
+              <a:latin typeface="Arial" panose="020B0604020202020204" pitchFamily="34" charset="0"/>
+            </a:endParaRPr>
+          </a:p>
+        </p:txBody>
+      </p:sp>
+      <p:sp>
+        <p:nvSpPr>
+          <p:cNvPr id="10" name="TextBox 9">
+            <a:extLst>
+              <a:ext uri="{FF2B5EF4-FFF2-40B4-BE49-F238E27FC236}">
+                <a16:creationId xmlns:a16="http://schemas.microsoft.com/office/drawing/2014/main" id="{68540755-197E-7EF1-7D24-B496DA73E512}"/>
+              </a:ext>
+            </a:extLst>
+          </p:cNvPr>
+          <p:cNvSpPr txBox="1"/>
+          <p:nvPr/>
+        </p:nvSpPr>
+        <p:spPr>
+          <a:xfrm>
+            <a:off x="236076" y="4878722"/>
+            <a:ext cx="11582299" cy="646331"/>
+          </a:xfrm>
+          <a:prstGeom prst="rect">
+            <a:avLst/>
+          </a:prstGeom>
+          <a:noFill/>
+        </p:spPr>
+        <p:txBody>
+          <a:bodyPr wrap="square">
+            <a:spAutoFit/>
+          </a:bodyPr>
+          <a:lstStyle/>
+          <a:p>
+            <a:r>
+              <a:rPr lang="uk-UA" dirty="0"/>
+              <a:t>І *</a:t>
+            </a:r>
+            <a:r>
+              <a:rPr lang="uk-UA" dirty="0" err="1"/>
+              <a:t>args</a:t>
+            </a:r>
+            <a:r>
+              <a:rPr lang="uk-UA" dirty="0"/>
+              <a:t> і **</a:t>
+            </a:r>
+            <a:r>
+              <a:rPr lang="uk-UA" dirty="0" err="1"/>
+              <a:t>kwargs</a:t>
+            </a:r>
+            <a:r>
+              <a:rPr lang="uk-UA" dirty="0"/>
+              <a:t> можна використовувати разом в одній функції. Замість </a:t>
+            </a:r>
+            <a:r>
+              <a:rPr lang="uk-UA" dirty="0" err="1"/>
+              <a:t>args</a:t>
+            </a:r>
+            <a:r>
+              <a:rPr lang="uk-UA" dirty="0"/>
+              <a:t> і </a:t>
+            </a:r>
+            <a:r>
+              <a:rPr lang="uk-UA" dirty="0" err="1"/>
+              <a:t>kwargs</a:t>
+            </a:r>
+            <a:r>
+              <a:rPr lang="uk-UA" dirty="0"/>
+              <a:t> можна використовувати будь-які інші назви, також:</a:t>
+            </a:r>
+          </a:p>
+        </p:txBody>
+      </p:sp>
+      <p:sp>
+        <p:nvSpPr>
+          <p:cNvPr id="11" name="Rectangle 6">
+            <a:extLst>
+              <a:ext uri="{FF2B5EF4-FFF2-40B4-BE49-F238E27FC236}">
+                <a16:creationId xmlns:a16="http://schemas.microsoft.com/office/drawing/2014/main" id="{81867EAB-70CE-499E-B14E-7C952E9550A9}"/>
+              </a:ext>
+            </a:extLst>
+          </p:cNvPr>
+          <p:cNvSpPr>
+            <a:spLocks noChangeArrowheads="1"/>
+          </p:cNvSpPr>
+          <p:nvPr/>
+        </p:nvSpPr>
+        <p:spPr bwMode="auto">
+          <a:xfrm>
+            <a:off x="3284076" y="5363470"/>
+            <a:ext cx="3345981" cy="1338828"/>
+          </a:xfrm>
+          <a:prstGeom prst="rect">
+            <a:avLst/>
+          </a:prstGeom>
+          <a:solidFill>
+            <a:srgbClr val="272822"/>
+          </a:solidFill>
+          <a:ln>
+            <a:noFill/>
+          </a:ln>
+          <a:effectLst/>
+          <a:extLst>
+            <a:ext uri="{91240B29-F687-4F45-9708-019B960494DF}">
+              <a14:hiddenLine xmlns:a14="http://schemas.microsoft.com/office/drawing/2010/main" w="9525">
+                <a:solidFill>
+                  <a:schemeClr val="tx1"/>
+                </a:solidFill>
+                <a:miter lim="800000"/>
+                <a:headEnd/>
+                <a:tailEnd/>
+              </a14:hiddenLine>
+            </a:ext>
+            <a:ext uri="{AF507438-7753-43E0-B8FC-AC1667EBCBE1}">
+              <a14:hiddenEffects xmlns:a14="http://schemas.microsoft.com/office/drawing/2010/main">
+                <a:effectLst>
+                  <a:outerShdw dist="35921" dir="2700000" algn="ctr" rotWithShape="0">
+                    <a:schemeClr val="bg2"/>
+                  </a:outerShdw>
+                </a:effectLst>
+              </a14:hiddenEffects>
+            </a:ext>
+          </a:extLst>
+        </p:spPr>
+        <p:txBody>
+          <a:bodyPr vert="horz" wrap="none" lIns="91440" tIns="0" rIns="91440" bIns="45720" numCol="1" anchor="ctr" anchorCtr="0" compatLnSpc="1">
+            <a:prstTxWarp prst="textNoShape">
+              <a:avLst/>
+            </a:prstTxWarp>
+            <a:spAutoFit/>
+          </a:bodyPr>
+          <a:lstStyle/>
+          <a:p>
+            <a:pPr marL="0" marR="0" lvl="0" indent="0" algn="l" defTabSz="914400" rtl="0" eaLnBrk="0" fontAlgn="base" latinLnBrk="0" hangingPunct="0">
+              <a:lnSpc>
+                <a:spcPct val="100000"/>
+              </a:lnSpc>
+              <a:spcBef>
+                <a:spcPct val="0"/>
+              </a:spcBef>
+              <a:spcAft>
+                <a:spcPct val="0"/>
+              </a:spcAft>
+              <a:buClrTx/>
+              <a:buSzTx/>
+              <a:buFontTx/>
+              <a:buNone/>
+              <a:tabLst/>
+            </a:pPr>
+            <a:r>
+              <a:rPr kumimoji="0" lang="uk-UA" altLang="uk-UA" sz="1400" b="0" i="0" u="none" strike="noStrike" cap="none" normalizeH="0" baseline="0" dirty="0">
+                <a:ln>
+                  <a:noFill/>
+                </a:ln>
+                <a:solidFill>
+                  <a:srgbClr val="75715E"/>
+                </a:solidFill>
+                <a:effectLst/>
+                <a:latin typeface="SFMono-Regular"/>
+              </a:rPr>
+              <a:t>&gt;&gt;&gt; </a:t>
+            </a:r>
+            <a:r>
+              <a:rPr kumimoji="0" lang="uk-UA" altLang="uk-UA" sz="1400" b="1" i="0" u="none" strike="noStrike" cap="none" normalizeH="0" baseline="0" dirty="0" err="1">
+                <a:ln>
+                  <a:noFill/>
+                </a:ln>
+                <a:solidFill>
+                  <a:srgbClr val="F92672"/>
+                </a:solidFill>
+                <a:effectLst/>
+                <a:latin typeface="SFMono-Regular"/>
+              </a:rPr>
+              <a:t>def</a:t>
+            </a:r>
+            <a:r>
+              <a:rPr kumimoji="0" lang="uk-UA" altLang="uk-UA" sz="1400" b="0" i="0" u="none" strike="noStrike" cap="none" normalizeH="0" baseline="0" dirty="0">
+                <a:ln>
+                  <a:noFill/>
+                </a:ln>
+                <a:solidFill>
+                  <a:srgbClr val="DDDDDD"/>
+                </a:solidFill>
+                <a:effectLst/>
+                <a:latin typeface="SFMono-Regular"/>
+              </a:rPr>
+              <a:t> </a:t>
+            </a:r>
+            <a:r>
+              <a:rPr kumimoji="0" lang="uk-UA" altLang="uk-UA" sz="1400" b="1" i="0" u="none" strike="noStrike" cap="none" normalizeH="0" baseline="0" dirty="0" err="1">
+                <a:ln>
+                  <a:noFill/>
+                </a:ln>
+                <a:solidFill>
+                  <a:srgbClr val="A6E22E"/>
+                </a:solidFill>
+                <a:effectLst/>
+                <a:latin typeface="SFMono-Regular"/>
+              </a:rPr>
+              <a:t>foo</a:t>
+            </a:r>
+            <a:r>
+              <a:rPr kumimoji="0" lang="uk-UA" altLang="uk-UA" sz="1400" b="0" i="0" u="none" strike="noStrike" cap="none" normalizeH="0" baseline="0" dirty="0">
+                <a:ln>
+                  <a:noFill/>
+                </a:ln>
+                <a:solidFill>
+                  <a:srgbClr val="DDDDDD"/>
+                </a:solidFill>
+                <a:effectLst/>
+                <a:latin typeface="SFMono-Regular"/>
+              </a:rPr>
+              <a:t>(*</a:t>
+            </a:r>
+            <a:r>
+              <a:rPr kumimoji="0" lang="uk-UA" altLang="uk-UA" sz="1400" b="0" i="0" u="none" strike="noStrike" cap="none" normalizeH="0" baseline="0" dirty="0" err="1">
+                <a:ln>
+                  <a:noFill/>
+                </a:ln>
+                <a:solidFill>
+                  <a:srgbClr val="DDDDDD"/>
+                </a:solidFill>
+                <a:effectLst/>
+                <a:latin typeface="SFMono-Regular"/>
+              </a:rPr>
+              <a:t>arguments</a:t>
+            </a:r>
+            <a:r>
+              <a:rPr kumimoji="0" lang="uk-UA" altLang="uk-UA" sz="1400" b="0" i="0" u="none" strike="noStrike" cap="none" normalizeH="0" baseline="0" dirty="0">
+                <a:ln>
+                  <a:noFill/>
+                </a:ln>
+                <a:solidFill>
+                  <a:srgbClr val="DDDDDD"/>
+                </a:solidFill>
+                <a:effectLst/>
+                <a:latin typeface="SFMono-Regular"/>
+              </a:rPr>
+              <a:t>, **</a:t>
+            </a:r>
+            <a:r>
+              <a:rPr kumimoji="0" lang="uk-UA" altLang="uk-UA" sz="1400" b="0" i="0" u="none" strike="noStrike" cap="none" normalizeH="0" baseline="0" dirty="0" err="1">
+                <a:ln>
+                  <a:noFill/>
+                </a:ln>
+                <a:solidFill>
+                  <a:srgbClr val="DDDDDD"/>
+                </a:solidFill>
+                <a:effectLst/>
+                <a:latin typeface="SFMono-Regular"/>
+              </a:rPr>
+              <a:t>kwarguments</a:t>
+            </a:r>
+            <a:r>
+              <a:rPr kumimoji="0" lang="uk-UA" altLang="uk-UA" sz="1400" b="0" i="0" u="none" strike="noStrike" cap="none" normalizeH="0" baseline="0" dirty="0">
+                <a:ln>
+                  <a:noFill/>
+                </a:ln>
+                <a:solidFill>
+                  <a:srgbClr val="DDDDDD"/>
+                </a:solidFill>
+                <a:effectLst/>
+                <a:latin typeface="SFMono-Regular"/>
+              </a:rPr>
+              <a:t>): </a:t>
+            </a:r>
+          </a:p>
+          <a:p>
+            <a:pPr marL="0" marR="0" lvl="0" indent="0" algn="l" defTabSz="914400" rtl="0" eaLnBrk="0" fontAlgn="base" latinLnBrk="0" hangingPunct="0">
+              <a:lnSpc>
+                <a:spcPct val="100000"/>
+              </a:lnSpc>
+              <a:spcBef>
+                <a:spcPct val="0"/>
+              </a:spcBef>
+              <a:spcAft>
+                <a:spcPct val="0"/>
+              </a:spcAft>
+              <a:buClrTx/>
+              <a:buSzTx/>
+              <a:buFontTx/>
+              <a:buNone/>
+              <a:tabLst/>
+            </a:pPr>
+            <a:r>
+              <a:rPr kumimoji="0" lang="uk-UA" altLang="uk-UA" sz="1400" b="0" i="0" u="none" strike="noStrike" cap="none" normalizeH="0" baseline="0" dirty="0" err="1">
+                <a:ln>
+                  <a:noFill/>
+                </a:ln>
+                <a:solidFill>
+                  <a:srgbClr val="A6E22E"/>
+                </a:solidFill>
+                <a:effectLst/>
+                <a:latin typeface="SFMono-Regular"/>
+              </a:rPr>
+              <a:t>print</a:t>
+            </a:r>
+            <a:r>
+              <a:rPr kumimoji="0" lang="uk-UA" altLang="uk-UA" sz="1400" b="0" i="0" u="none" strike="noStrike" cap="none" normalizeH="0" baseline="0" dirty="0">
+                <a:ln>
+                  <a:noFill/>
+                </a:ln>
+                <a:solidFill>
+                  <a:srgbClr val="DDDDDD"/>
+                </a:solidFill>
+                <a:effectLst/>
+                <a:latin typeface="SFMono-Regular"/>
+              </a:rPr>
+              <a:t> (</a:t>
+            </a:r>
+            <a:r>
+              <a:rPr kumimoji="0" lang="uk-UA" altLang="uk-UA" sz="1400" b="0" i="0" u="none" strike="noStrike" cap="none" normalizeH="0" baseline="0" dirty="0" err="1">
+                <a:ln>
+                  <a:noFill/>
+                </a:ln>
+                <a:solidFill>
+                  <a:srgbClr val="DDDDDD"/>
+                </a:solidFill>
+                <a:effectLst/>
+                <a:latin typeface="SFMono-Regular"/>
+              </a:rPr>
+              <a:t>arguments</a:t>
+            </a:r>
+            <a:r>
+              <a:rPr kumimoji="0" lang="uk-UA" altLang="uk-UA" sz="1400" b="0" i="0" u="none" strike="noStrike" cap="none" normalizeH="0" baseline="0" dirty="0">
+                <a:ln>
+                  <a:noFill/>
+                </a:ln>
+                <a:solidFill>
+                  <a:srgbClr val="DDDDDD"/>
+                </a:solidFill>
+                <a:effectLst/>
+                <a:latin typeface="SFMono-Regular"/>
+              </a:rPr>
+              <a:t>) </a:t>
+            </a:r>
+          </a:p>
+          <a:p>
+            <a:pPr marL="0" marR="0" lvl="0" indent="0" algn="l" defTabSz="914400" rtl="0" eaLnBrk="0" fontAlgn="base" latinLnBrk="0" hangingPunct="0">
+              <a:lnSpc>
+                <a:spcPct val="100000"/>
+              </a:lnSpc>
+              <a:spcBef>
+                <a:spcPct val="0"/>
+              </a:spcBef>
+              <a:spcAft>
+                <a:spcPct val="0"/>
+              </a:spcAft>
+              <a:buClrTx/>
+              <a:buSzTx/>
+              <a:buFontTx/>
+              <a:buNone/>
+              <a:tabLst/>
+            </a:pPr>
+            <a:r>
+              <a:rPr kumimoji="0" lang="uk-UA" altLang="uk-UA" sz="1400" b="0" i="0" u="none" strike="noStrike" cap="none" normalizeH="0" baseline="0" dirty="0" err="1">
+                <a:ln>
+                  <a:noFill/>
+                </a:ln>
+                <a:solidFill>
+                  <a:srgbClr val="A6E22E"/>
+                </a:solidFill>
+                <a:effectLst/>
+                <a:latin typeface="SFMono-Regular"/>
+              </a:rPr>
+              <a:t>print</a:t>
+            </a:r>
+            <a:r>
+              <a:rPr kumimoji="0" lang="uk-UA" altLang="uk-UA" sz="1400" b="0" i="0" u="none" strike="noStrike" cap="none" normalizeH="0" baseline="0" dirty="0">
+                <a:ln>
+                  <a:noFill/>
+                </a:ln>
+                <a:solidFill>
+                  <a:srgbClr val="DDDDDD"/>
+                </a:solidFill>
+                <a:effectLst/>
+                <a:latin typeface="SFMono-Regular"/>
+              </a:rPr>
+              <a:t> (</a:t>
+            </a:r>
+            <a:r>
+              <a:rPr kumimoji="0" lang="uk-UA" altLang="uk-UA" sz="1400" b="0" i="0" u="none" strike="noStrike" cap="none" normalizeH="0" baseline="0" dirty="0" err="1">
+                <a:ln>
+                  <a:noFill/>
+                </a:ln>
+                <a:solidFill>
+                  <a:srgbClr val="DDDDDD"/>
+                </a:solidFill>
+                <a:effectLst/>
+                <a:latin typeface="SFMono-Regular"/>
+              </a:rPr>
+              <a:t>kwarguments</a:t>
+            </a:r>
+            <a:r>
+              <a:rPr kumimoji="0" lang="uk-UA" altLang="uk-UA" sz="1400" b="0" i="0" u="none" strike="noStrike" cap="none" normalizeH="0" baseline="0" dirty="0">
+                <a:ln>
+                  <a:noFill/>
+                </a:ln>
+                <a:solidFill>
+                  <a:srgbClr val="DDDDDD"/>
+                </a:solidFill>
+                <a:effectLst/>
+                <a:latin typeface="SFMono-Regular"/>
+              </a:rPr>
+              <a:t>)</a:t>
+            </a:r>
+          </a:p>
+          <a:p>
+            <a:pPr marL="0" marR="0" lvl="0" indent="0" algn="l" defTabSz="914400" rtl="0" eaLnBrk="0" fontAlgn="base" latinLnBrk="0" hangingPunct="0">
+              <a:lnSpc>
+                <a:spcPct val="100000"/>
+              </a:lnSpc>
+              <a:spcBef>
+                <a:spcPct val="0"/>
+              </a:spcBef>
+              <a:spcAft>
+                <a:spcPct val="0"/>
+              </a:spcAft>
+              <a:buClrTx/>
+              <a:buSzTx/>
+              <a:buFontTx/>
+              <a:buNone/>
+              <a:tabLst/>
+            </a:pPr>
+            <a:r>
+              <a:rPr kumimoji="0" lang="uk-UA" altLang="uk-UA" sz="1400" b="0" i="0" u="none" strike="noStrike" cap="none" normalizeH="0" baseline="0" dirty="0">
+                <a:ln>
+                  <a:noFill/>
+                </a:ln>
+                <a:solidFill>
+                  <a:srgbClr val="DDDDDD"/>
+                </a:solidFill>
+                <a:effectLst/>
+                <a:latin typeface="SFMono-Regular"/>
+              </a:rPr>
+              <a:t> </a:t>
+            </a:r>
+            <a:r>
+              <a:rPr kumimoji="0" lang="uk-UA" altLang="uk-UA" sz="1400" b="0" i="0" u="none" strike="noStrike" cap="none" normalizeH="0" baseline="0" dirty="0">
+                <a:ln>
+                  <a:noFill/>
+                </a:ln>
+                <a:solidFill>
+                  <a:srgbClr val="75715E"/>
+                </a:solidFill>
+                <a:effectLst/>
+                <a:latin typeface="SFMono-Regular"/>
+              </a:rPr>
+              <a:t>&gt;&gt;&gt; </a:t>
+            </a:r>
+            <a:r>
+              <a:rPr kumimoji="0" lang="uk-UA" altLang="uk-UA" sz="1400" b="0" i="0" u="none" strike="noStrike" cap="none" normalizeH="0" baseline="0" dirty="0" err="1">
+                <a:ln>
+                  <a:noFill/>
+                </a:ln>
+                <a:solidFill>
+                  <a:srgbClr val="DDDDDD"/>
+                </a:solidFill>
+                <a:effectLst/>
+                <a:latin typeface="SFMono-Regular"/>
+              </a:rPr>
+              <a:t>foo</a:t>
+            </a:r>
+            <a:r>
+              <a:rPr kumimoji="0" lang="uk-UA" altLang="uk-UA" sz="1400" b="0" i="0" u="none" strike="noStrike" cap="none" normalizeH="0" baseline="0" dirty="0">
+                <a:ln>
+                  <a:noFill/>
+                </a:ln>
+                <a:solidFill>
+                  <a:srgbClr val="DDDDDD"/>
+                </a:solidFill>
+                <a:effectLst/>
+                <a:latin typeface="SFMono-Regular"/>
+              </a:rPr>
+              <a:t>(1,2,3, a=1, b=2,c=3) </a:t>
+            </a:r>
+          </a:p>
+          <a:p>
+            <a:pPr marL="0" marR="0" lvl="0" indent="0" algn="l" defTabSz="914400" rtl="0" eaLnBrk="0" fontAlgn="base" latinLnBrk="0" hangingPunct="0">
+              <a:lnSpc>
+                <a:spcPct val="100000"/>
+              </a:lnSpc>
+              <a:spcBef>
+                <a:spcPct val="0"/>
+              </a:spcBef>
+              <a:spcAft>
+                <a:spcPct val="0"/>
+              </a:spcAft>
+              <a:buClrTx/>
+              <a:buSzTx/>
+              <a:buFontTx/>
+              <a:buNone/>
+              <a:tabLst/>
+            </a:pPr>
+            <a:r>
+              <a:rPr kumimoji="0" lang="uk-UA" altLang="uk-UA" sz="1400" b="0" i="0" u="none" strike="noStrike" cap="none" normalizeH="0" baseline="0" dirty="0">
+                <a:ln>
+                  <a:noFill/>
+                </a:ln>
+                <a:solidFill>
+                  <a:srgbClr val="DDDDDD"/>
+                </a:solidFill>
+                <a:effectLst/>
+                <a:latin typeface="SFMono-Regular"/>
+              </a:rPr>
+              <a:t>(1, 2, 3) </a:t>
+            </a:r>
+          </a:p>
+          <a:p>
+            <a:pPr marL="0" marR="0" lvl="0" indent="0" algn="l" defTabSz="914400" rtl="0" eaLnBrk="0" fontAlgn="base" latinLnBrk="0" hangingPunct="0">
+              <a:lnSpc>
+                <a:spcPct val="100000"/>
+              </a:lnSpc>
+              <a:spcBef>
+                <a:spcPct val="0"/>
+              </a:spcBef>
+              <a:spcAft>
+                <a:spcPct val="0"/>
+              </a:spcAft>
+              <a:buClrTx/>
+              <a:buSzTx/>
+              <a:buFontTx/>
+              <a:buNone/>
+              <a:tabLst/>
+            </a:pPr>
+            <a:r>
+              <a:rPr kumimoji="0" lang="uk-UA" altLang="uk-UA" sz="1400" b="0" i="0" u="none" strike="noStrike" cap="none" normalizeH="0" baseline="0" dirty="0">
+                <a:ln>
+                  <a:noFill/>
+                </a:ln>
+                <a:solidFill>
+                  <a:srgbClr val="DDDDDD"/>
+                </a:solidFill>
+                <a:effectLst/>
+                <a:latin typeface="SFMono-Regular"/>
+              </a:rPr>
+              <a:t>{</a:t>
+            </a:r>
+            <a:r>
+              <a:rPr kumimoji="0" lang="uk-UA" altLang="uk-UA" sz="1400" b="0" i="0" u="none" strike="noStrike" cap="none" normalizeH="0" baseline="0" dirty="0">
+                <a:ln>
+                  <a:noFill/>
+                </a:ln>
+                <a:solidFill>
+                  <a:srgbClr val="A6E22E"/>
+                </a:solidFill>
+                <a:effectLst/>
+                <a:latin typeface="SFMono-Regular"/>
+              </a:rPr>
+              <a:t>'b'</a:t>
+            </a:r>
+            <a:r>
+              <a:rPr kumimoji="0" lang="uk-UA" altLang="uk-UA" sz="1400" b="0" i="0" u="none" strike="noStrike" cap="none" normalizeH="0" baseline="0" dirty="0">
+                <a:ln>
+                  <a:noFill/>
+                </a:ln>
+                <a:solidFill>
+                  <a:srgbClr val="DDDDDD"/>
+                </a:solidFill>
+                <a:effectLst/>
+                <a:latin typeface="SFMono-Regular"/>
+              </a:rPr>
+              <a:t>: 2, </a:t>
+            </a:r>
+            <a:r>
+              <a:rPr kumimoji="0" lang="uk-UA" altLang="uk-UA" sz="1400" b="0" i="0" u="none" strike="noStrike" cap="none" normalizeH="0" baseline="0" dirty="0">
+                <a:ln>
+                  <a:noFill/>
+                </a:ln>
+                <a:solidFill>
+                  <a:srgbClr val="A6E22E"/>
+                </a:solidFill>
+                <a:effectLst/>
+                <a:latin typeface="SFMono-Regular"/>
+              </a:rPr>
+              <a:t>'a'</a:t>
+            </a:r>
+            <a:r>
+              <a:rPr kumimoji="0" lang="uk-UA" altLang="uk-UA" sz="1400" b="0" i="0" u="none" strike="noStrike" cap="none" normalizeH="0" baseline="0" dirty="0">
+                <a:ln>
+                  <a:noFill/>
+                </a:ln>
+                <a:solidFill>
+                  <a:srgbClr val="DDDDDD"/>
+                </a:solidFill>
+                <a:effectLst/>
+                <a:latin typeface="SFMono-Regular"/>
+              </a:rPr>
+              <a:t>: 1, </a:t>
+            </a:r>
+            <a:r>
+              <a:rPr kumimoji="0" lang="uk-UA" altLang="uk-UA" sz="1400" b="0" i="0" u="none" strike="noStrike" cap="none" normalizeH="0" baseline="0" dirty="0">
+                <a:ln>
+                  <a:noFill/>
+                </a:ln>
+                <a:solidFill>
+                  <a:srgbClr val="A6E22E"/>
+                </a:solidFill>
+                <a:effectLst/>
+                <a:latin typeface="SFMono-Regular"/>
+              </a:rPr>
+              <a:t>'c'</a:t>
+            </a:r>
+            <a:r>
+              <a:rPr kumimoji="0" lang="uk-UA" altLang="uk-UA" sz="1400" b="0" i="0" u="none" strike="noStrike" cap="none" normalizeH="0" baseline="0" dirty="0">
+                <a:ln>
+                  <a:noFill/>
+                </a:ln>
+                <a:solidFill>
+                  <a:srgbClr val="DDDDDD"/>
+                </a:solidFill>
+                <a:effectLst/>
+                <a:latin typeface="SFMono-Regular"/>
+              </a:rPr>
+              <a:t>: 3}</a:t>
+            </a:r>
+            <a:r>
+              <a:rPr kumimoji="0" lang="uk-UA" altLang="uk-UA" sz="1100" b="0" i="0" u="none" strike="noStrike" cap="none" normalizeH="0" baseline="0" dirty="0">
+                <a:ln>
+                  <a:noFill/>
+                </a:ln>
+                <a:solidFill>
+                  <a:schemeClr val="tx1"/>
+                </a:solidFill>
+                <a:effectLst/>
+              </a:rPr>
+              <a:t> </a:t>
+            </a:r>
+            <a:endParaRPr kumimoji="0" lang="uk-UA" altLang="uk-UA" sz="3200" b="0" i="0" u="none" strike="noStrike" cap="none" normalizeH="0" baseline="0" dirty="0">
+              <a:ln>
+                <a:noFill/>
+              </a:ln>
+              <a:solidFill>
+                <a:schemeClr val="tx1"/>
+              </a:solidFill>
+              <a:effectLst/>
+              <a:latin typeface="Arial" panose="020B0604020202020204" pitchFamily="34" charset="0"/>
+            </a:endParaRPr>
+          </a:p>
+        </p:txBody>
+      </p:sp>
+    </p:spTree>
+    <p:extLst>
+      <p:ext uri="{BB962C8B-B14F-4D97-AF65-F5344CB8AC3E}">
+        <p14:creationId xmlns:p14="http://schemas.microsoft.com/office/powerpoint/2010/main" val="2585176712"/>
+      </p:ext>
+    </p:extLst>
+  </p:cSld>
+  <p:clrMapOvr>
+    <a:masterClrMapping/>
+  </p:clrMapOvr>
+</p:sld>
+</file>
+
+<file path=ppt/slides/slide7.xml><?xml version="1.0" encoding="utf-8"?>
+<p:sld xmlns:a="http://schemas.openxmlformats.org/drawingml/2006/main" xmlns:r="http://schemas.openxmlformats.org/officeDocument/2006/relationships" xmlns:p="http://schemas.openxmlformats.org/presentationml/2006/main">
+  <p:cSld>
+    <p:spTree>
+      <p:nvGrpSpPr>
+        <p:cNvPr id="1" name=""/>
+        <p:cNvGrpSpPr/>
+        <p:nvPr/>
+      </p:nvGrpSpPr>
+      <p:grpSpPr>
+        <a:xfrm>
+          <a:off x="0" y="0"/>
+          <a:ext cx="0" cy="0"/>
+          <a:chOff x="0" y="0"/>
+          <a:chExt cx="0" cy="0"/>
+        </a:xfrm>
+      </p:grpSpPr>
+      <p:sp>
+        <p:nvSpPr>
+          <p:cNvPr id="2" name="Rectangle 1">
+            <a:extLst>
+              <a:ext uri="{FF2B5EF4-FFF2-40B4-BE49-F238E27FC236}">
+                <a16:creationId xmlns:a16="http://schemas.microsoft.com/office/drawing/2014/main" id="{22BB307B-18E9-C9A5-2C18-87C09818403E}"/>
+              </a:ext>
+            </a:extLst>
+          </p:cNvPr>
+          <p:cNvSpPr>
+            <a:spLocks noChangeArrowheads="1"/>
+          </p:cNvSpPr>
+          <p:nvPr/>
+        </p:nvSpPr>
+        <p:spPr bwMode="auto">
+          <a:xfrm>
+            <a:off x="216310" y="823763"/>
+            <a:ext cx="9688871" cy="1569660"/>
+          </a:xfrm>
+          <a:prstGeom prst="rect">
+            <a:avLst/>
+          </a:prstGeom>
+          <a:noFill/>
+          <a:ln>
+            <a:noFill/>
+          </a:ln>
+          <a:effectLst/>
+        </p:spPr>
+        <p:txBody>
+          <a:bodyPr vert="horz" wrap="none" lIns="91440" tIns="45720" rIns="91440" bIns="45720" numCol="1" anchor="ctr" anchorCtr="0" compatLnSpc="1">
+            <a:prstTxWarp prst="textNoShape">
+              <a:avLst/>
+            </a:prstTxWarp>
+            <a:spAutoFit/>
+          </a:bodyPr>
+          <a:lstStyle/>
+          <a:p>
+            <a:pPr marL="0" marR="0" lvl="0" indent="0" algn="l" defTabSz="914400" rtl="0" eaLnBrk="0" fontAlgn="base" latinLnBrk="0" hangingPunct="0">
+              <a:lnSpc>
+                <a:spcPct val="100000"/>
+              </a:lnSpc>
+              <a:spcBef>
+                <a:spcPct val="0"/>
+              </a:spcBef>
+              <a:spcAft>
+                <a:spcPct val="0"/>
+              </a:spcAft>
+              <a:buClrTx/>
+              <a:buSzTx/>
+              <a:buFontTx/>
+              <a:buNone/>
+              <a:tabLst/>
+            </a:pPr>
+            <a:r>
+              <a:rPr kumimoji="0" lang="uk-UA" altLang="uk-UA" sz="2400" b="0" i="0" u="none" strike="noStrike" cap="none" normalizeH="0" baseline="0" dirty="0">
+                <a:ln>
+                  <a:noFill/>
+                </a:ln>
+                <a:effectLst/>
+                <a:latin typeface="Roboto" panose="02000000000000000000" pitchFamily="2" charset="0"/>
+              </a:rPr>
+              <a:t>Використання </a:t>
+            </a:r>
+            <a:r>
+              <a:rPr kumimoji="0" lang="uk-UA" altLang="uk-UA" sz="1600" b="0" i="0" u="none" strike="noStrike" cap="none" normalizeH="0" baseline="0" dirty="0">
+                <a:ln>
+                  <a:noFill/>
+                </a:ln>
+                <a:effectLst/>
+                <a:latin typeface="Courier New" panose="02070309020205020404" pitchFamily="49" charset="0"/>
+                <a:cs typeface="Courier New" panose="02070309020205020404" pitchFamily="49" charset="0"/>
+              </a:rPr>
+              <a:t>*</a:t>
+            </a:r>
+            <a:r>
+              <a:rPr kumimoji="0" lang="uk-UA" altLang="uk-UA" sz="2400" b="0" i="0" u="none" strike="noStrike" cap="none" normalizeH="0" baseline="0" dirty="0">
+                <a:ln>
+                  <a:noFill/>
+                </a:ln>
+                <a:effectLst/>
+                <a:latin typeface="Roboto" panose="02000000000000000000" pitchFamily="2" charset="0"/>
+              </a:rPr>
+              <a:t> синтаксису, також можливе при виклику функції:</a:t>
+            </a:r>
+            <a:endParaRPr kumimoji="0" lang="uk-UA" altLang="uk-UA" sz="1200" b="0" i="0" u="none" strike="noStrike" cap="none" normalizeH="0" baseline="0" dirty="0">
+              <a:ln>
+                <a:noFill/>
+              </a:ln>
+              <a:effectLst/>
+            </a:endParaRPr>
+          </a:p>
+          <a:p>
+            <a:pPr marL="0" marR="0" lvl="0" indent="0" algn="l" defTabSz="914400" rtl="0" eaLnBrk="0" fontAlgn="base" latinLnBrk="0" hangingPunct="0">
+              <a:lnSpc>
+                <a:spcPct val="100000"/>
+              </a:lnSpc>
+              <a:spcBef>
+                <a:spcPct val="0"/>
+              </a:spcBef>
+              <a:spcAft>
+                <a:spcPct val="0"/>
+              </a:spcAft>
+              <a:buClrTx/>
+              <a:buSzTx/>
+              <a:buFontTx/>
+              <a:buNone/>
+              <a:tabLst/>
+            </a:pPr>
+            <a:br>
+              <a:rPr kumimoji="0" lang="uk-UA" altLang="uk-UA" sz="3600" b="0" i="0" u="none" strike="noStrike" cap="none" normalizeH="0" baseline="0" dirty="0">
+                <a:ln>
+                  <a:noFill/>
+                </a:ln>
+                <a:effectLst/>
+                <a:latin typeface="Arial" panose="020B0604020202020204" pitchFamily="34" charset="0"/>
+              </a:rPr>
+            </a:br>
+            <a:endParaRPr kumimoji="0" lang="uk-UA" altLang="uk-UA" sz="3600" b="0" i="0" u="none" strike="noStrike" cap="none" normalizeH="0" baseline="0" dirty="0">
+              <a:ln>
+                <a:noFill/>
+              </a:ln>
+              <a:effectLst/>
+              <a:latin typeface="Arial" panose="020B0604020202020204" pitchFamily="34" charset="0"/>
+            </a:endParaRPr>
+          </a:p>
+        </p:txBody>
+      </p:sp>
+      <p:sp>
+        <p:nvSpPr>
+          <p:cNvPr id="3" name="TextBox 2">
+            <a:extLst>
+              <a:ext uri="{FF2B5EF4-FFF2-40B4-BE49-F238E27FC236}">
+                <a16:creationId xmlns:a16="http://schemas.microsoft.com/office/drawing/2014/main" id="{A9D6FB99-0C2C-C8E7-56E7-80DA0380A352}"/>
+              </a:ext>
+            </a:extLst>
+          </p:cNvPr>
+          <p:cNvSpPr txBox="1"/>
+          <p:nvPr/>
+        </p:nvSpPr>
+        <p:spPr>
+          <a:xfrm>
+            <a:off x="-1" y="177432"/>
+            <a:ext cx="12192001" cy="646331"/>
+          </a:xfrm>
+          <a:prstGeom prst="rect">
+            <a:avLst/>
+          </a:prstGeom>
+          <a:noFill/>
+        </p:spPr>
+        <p:txBody>
+          <a:bodyPr wrap="square">
+            <a:spAutoFit/>
+          </a:bodyPr>
+          <a:lstStyle/>
+          <a:p>
+            <a:pPr algn="ctr"/>
+            <a:r>
+              <a:rPr lang="uk-UA" sz="3600" b="1" i="0" dirty="0">
+                <a:effectLst/>
+                <a:latin typeface="Roboto" panose="02000000000000000000" pitchFamily="2" charset="0"/>
+              </a:rPr>
+              <a:t>Що таке *</a:t>
+            </a:r>
+            <a:r>
+              <a:rPr lang="en-US" sz="3600" b="1" i="0" dirty="0" err="1">
+                <a:effectLst/>
+                <a:latin typeface="Roboto" panose="02000000000000000000" pitchFamily="2" charset="0"/>
+              </a:rPr>
+              <a:t>args</a:t>
+            </a:r>
+            <a:r>
+              <a:rPr lang="en-US" sz="3600" b="1" i="0" dirty="0">
+                <a:effectLst/>
+                <a:latin typeface="Roboto" panose="02000000000000000000" pitchFamily="2" charset="0"/>
+              </a:rPr>
+              <a:t> </a:t>
+            </a:r>
+            <a:r>
+              <a:rPr lang="uk-UA" sz="3600" b="1" i="0" dirty="0">
+                <a:effectLst/>
+                <a:latin typeface="Roboto" panose="02000000000000000000" pitchFamily="2" charset="0"/>
+              </a:rPr>
+              <a:t>та **</a:t>
+            </a:r>
+            <a:r>
+              <a:rPr lang="en-US" sz="3600" b="1" i="0" dirty="0" err="1">
+                <a:effectLst/>
+                <a:latin typeface="Roboto" panose="02000000000000000000" pitchFamily="2" charset="0"/>
+              </a:rPr>
+              <a:t>kwargs</a:t>
+            </a:r>
+            <a:r>
+              <a:rPr lang="en-US" sz="3600" b="1" i="0" dirty="0">
+                <a:effectLst/>
+                <a:latin typeface="Roboto" panose="02000000000000000000" pitchFamily="2" charset="0"/>
+              </a:rPr>
+              <a:t> </a:t>
+            </a:r>
+            <a:r>
+              <a:rPr lang="uk-UA" sz="3600" b="1" i="0" dirty="0">
+                <a:effectLst/>
+                <a:latin typeface="Roboto" panose="02000000000000000000" pitchFamily="2" charset="0"/>
+              </a:rPr>
+              <a:t>в </a:t>
+            </a:r>
+            <a:r>
+              <a:rPr lang="en-US" sz="3600" b="1" i="0" dirty="0">
+                <a:effectLst/>
+                <a:latin typeface="Roboto" panose="02000000000000000000" pitchFamily="2" charset="0"/>
+              </a:rPr>
+              <a:t>Python</a:t>
+            </a:r>
+          </a:p>
+        </p:txBody>
+      </p:sp>
+      <p:sp>
+        <p:nvSpPr>
+          <p:cNvPr id="4" name="Rectangle 2">
+            <a:extLst>
+              <a:ext uri="{FF2B5EF4-FFF2-40B4-BE49-F238E27FC236}">
+                <a16:creationId xmlns:a16="http://schemas.microsoft.com/office/drawing/2014/main" id="{2701A358-B928-DE58-E02C-9D4DE8068068}"/>
+              </a:ext>
+            </a:extLst>
+          </p:cNvPr>
+          <p:cNvSpPr>
+            <a:spLocks noChangeArrowheads="1"/>
+          </p:cNvSpPr>
+          <p:nvPr/>
+        </p:nvSpPr>
+        <p:spPr bwMode="auto">
+          <a:xfrm>
+            <a:off x="216310" y="1520687"/>
+            <a:ext cx="2300053" cy="1585049"/>
+          </a:xfrm>
+          <a:prstGeom prst="rect">
+            <a:avLst/>
+          </a:prstGeom>
+          <a:solidFill>
+            <a:srgbClr val="272822"/>
+          </a:solidFill>
+          <a:ln>
+            <a:noFill/>
+          </a:ln>
+          <a:effectLst/>
+          <a:extLst>
+            <a:ext uri="{91240B29-F687-4F45-9708-019B960494DF}">
+              <a14:hiddenLine xmlns:a14="http://schemas.microsoft.com/office/drawing/2010/main" w="9525">
+                <a:solidFill>
+                  <a:schemeClr val="tx1"/>
+                </a:solidFill>
+                <a:miter lim="800000"/>
+                <a:headEnd/>
+                <a:tailEnd/>
+              </a14:hiddenLine>
+            </a:ext>
+            <a:ext uri="{AF507438-7753-43E0-B8FC-AC1667EBCBE1}">
+              <a14:hiddenEffects xmlns:a14="http://schemas.microsoft.com/office/drawing/2010/main">
+                <a:effectLst>
+                  <a:outerShdw dist="35921" dir="2700000" algn="ctr" rotWithShape="0">
+                    <a:schemeClr val="bg2"/>
+                  </a:outerShdw>
+                </a:effectLst>
+              </a14:hiddenEffects>
+            </a:ext>
+          </a:extLst>
+        </p:spPr>
+        <p:txBody>
+          <a:bodyPr vert="horz" wrap="none" lIns="91440" tIns="0" rIns="91440" bIns="45720" numCol="1" anchor="ctr" anchorCtr="0" compatLnSpc="1">
+            <a:prstTxWarp prst="textNoShape">
+              <a:avLst/>
+            </a:prstTxWarp>
+            <a:spAutoFit/>
+          </a:bodyPr>
+          <a:lstStyle/>
+          <a:p>
+            <a:pPr marL="0" marR="0" lvl="0" indent="0" algn="l" defTabSz="914400" rtl="0" eaLnBrk="0" fontAlgn="base" latinLnBrk="0" hangingPunct="0">
+              <a:lnSpc>
+                <a:spcPct val="100000"/>
+              </a:lnSpc>
+              <a:spcBef>
+                <a:spcPct val="0"/>
+              </a:spcBef>
+              <a:spcAft>
+                <a:spcPct val="0"/>
+              </a:spcAft>
+              <a:buClrTx/>
+              <a:buSzTx/>
+              <a:buFontTx/>
+              <a:buNone/>
+              <a:tabLst/>
+            </a:pPr>
+            <a:r>
+              <a:rPr kumimoji="0" lang="uk-UA" altLang="uk-UA" sz="2000" b="0" i="0" u="none" strike="noStrike" cap="none" normalizeH="0" baseline="0" dirty="0">
+                <a:ln>
+                  <a:noFill/>
+                </a:ln>
+                <a:solidFill>
+                  <a:srgbClr val="75715E"/>
+                </a:solidFill>
+                <a:effectLst/>
+                <a:latin typeface="SFMono-Regular"/>
+              </a:rPr>
+              <a:t>&gt;&gt;&gt;</a:t>
+            </a:r>
+            <a:r>
+              <a:rPr kumimoji="0" lang="uk-UA" altLang="uk-UA" sz="2000" b="0" i="0" u="none" strike="noStrike" cap="none" normalizeH="0" baseline="0" dirty="0">
+                <a:ln>
+                  <a:noFill/>
+                </a:ln>
+                <a:solidFill>
+                  <a:srgbClr val="DDDDDD"/>
+                </a:solidFill>
+                <a:effectLst/>
+                <a:latin typeface="SFMono-Regular"/>
+              </a:rPr>
+              <a:t> </a:t>
+            </a:r>
+            <a:r>
+              <a:rPr kumimoji="0" lang="uk-UA" altLang="uk-UA" sz="2000" b="1" i="0" u="none" strike="noStrike" cap="none" normalizeH="0" baseline="0" dirty="0" err="1">
+                <a:ln>
+                  <a:noFill/>
+                </a:ln>
+                <a:solidFill>
+                  <a:srgbClr val="F92672"/>
+                </a:solidFill>
+                <a:effectLst/>
+                <a:latin typeface="SFMono-Regular"/>
+              </a:rPr>
+              <a:t>def</a:t>
+            </a:r>
+            <a:r>
+              <a:rPr kumimoji="0" lang="uk-UA" altLang="uk-UA" sz="2000" b="0" i="0" u="none" strike="noStrike" cap="none" normalizeH="0" baseline="0" dirty="0">
+                <a:ln>
+                  <a:noFill/>
+                </a:ln>
+                <a:solidFill>
+                  <a:srgbClr val="DDDDDD"/>
+                </a:solidFill>
+                <a:effectLst/>
+                <a:latin typeface="SFMono-Regular"/>
+              </a:rPr>
+              <a:t> </a:t>
+            </a:r>
+            <a:r>
+              <a:rPr kumimoji="0" lang="uk-UA" altLang="uk-UA" sz="2000" b="1" i="0" u="none" strike="noStrike" cap="none" normalizeH="0" baseline="0" dirty="0" err="1">
+                <a:ln>
+                  <a:noFill/>
+                </a:ln>
+                <a:solidFill>
+                  <a:srgbClr val="A6E22E"/>
+                </a:solidFill>
+                <a:effectLst/>
+                <a:latin typeface="SFMono-Regular"/>
+              </a:rPr>
+              <a:t>foo</a:t>
+            </a:r>
+            <a:r>
+              <a:rPr kumimoji="0" lang="uk-UA" altLang="uk-UA" sz="2000" b="0" i="0" u="none" strike="noStrike" cap="none" normalizeH="0" baseline="0" dirty="0">
+                <a:ln>
+                  <a:noFill/>
+                </a:ln>
+                <a:solidFill>
+                  <a:srgbClr val="DDDDDD"/>
+                </a:solidFill>
+                <a:effectLst/>
+                <a:latin typeface="SFMono-Regular"/>
+              </a:rPr>
+              <a:t>(a, b, c): </a:t>
+            </a:r>
+          </a:p>
+          <a:p>
+            <a:pPr marL="0" marR="0" lvl="0" indent="0" algn="l" defTabSz="914400" rtl="0" eaLnBrk="0" fontAlgn="base" latinLnBrk="0" hangingPunct="0">
+              <a:lnSpc>
+                <a:spcPct val="100000"/>
+              </a:lnSpc>
+              <a:spcBef>
+                <a:spcPct val="0"/>
+              </a:spcBef>
+              <a:spcAft>
+                <a:spcPct val="0"/>
+              </a:spcAft>
+              <a:buClrTx/>
+              <a:buSzTx/>
+              <a:buFontTx/>
+              <a:buNone/>
+              <a:tabLst/>
+            </a:pPr>
+            <a:r>
+              <a:rPr kumimoji="0" lang="uk-UA" altLang="uk-UA" sz="2000" b="0" i="0" u="none" strike="noStrike" cap="none" normalizeH="0" baseline="0" dirty="0" err="1">
+                <a:ln>
+                  <a:noFill/>
+                </a:ln>
+                <a:solidFill>
+                  <a:srgbClr val="DDDDDD"/>
+                </a:solidFill>
+                <a:effectLst/>
+                <a:latin typeface="SFMono-Regular"/>
+              </a:rPr>
+              <a:t>print</a:t>
+            </a:r>
+            <a:r>
+              <a:rPr kumimoji="0" lang="uk-UA" altLang="uk-UA" sz="2000" b="0" i="0" u="none" strike="noStrike" cap="none" normalizeH="0" baseline="0" dirty="0">
+                <a:ln>
+                  <a:noFill/>
+                </a:ln>
+                <a:solidFill>
+                  <a:srgbClr val="DDDDDD"/>
+                </a:solidFill>
+                <a:effectLst/>
+                <a:latin typeface="SFMono-Regular"/>
+              </a:rPr>
+              <a:t> (</a:t>
+            </a:r>
+            <a:r>
+              <a:rPr kumimoji="0" lang="uk-UA" altLang="uk-UA" sz="2000" b="0" i="0" u="none" strike="noStrike" cap="none" normalizeH="0" baseline="0" dirty="0" err="1">
+                <a:ln>
+                  <a:noFill/>
+                </a:ln>
+                <a:solidFill>
+                  <a:srgbClr val="DDDDDD"/>
+                </a:solidFill>
+                <a:effectLst/>
+                <a:latin typeface="SFMono-Regular"/>
+              </a:rPr>
+              <a:t>a,b,c</a:t>
+            </a:r>
+            <a:r>
+              <a:rPr kumimoji="0" lang="uk-UA" altLang="uk-UA" sz="2000" b="0" i="0" u="none" strike="noStrike" cap="none" normalizeH="0" baseline="0" dirty="0">
+                <a:ln>
+                  <a:noFill/>
+                </a:ln>
+                <a:solidFill>
+                  <a:srgbClr val="DDDDDD"/>
+                </a:solidFill>
+                <a:effectLst/>
+                <a:latin typeface="SFMono-Regular"/>
+              </a:rPr>
+              <a:t>) </a:t>
+            </a:r>
+          </a:p>
+          <a:p>
+            <a:pPr marL="0" marR="0" lvl="0" indent="0" algn="l" defTabSz="914400" rtl="0" eaLnBrk="0" fontAlgn="base" latinLnBrk="0" hangingPunct="0">
+              <a:lnSpc>
+                <a:spcPct val="100000"/>
+              </a:lnSpc>
+              <a:spcBef>
+                <a:spcPct val="0"/>
+              </a:spcBef>
+              <a:spcAft>
+                <a:spcPct val="0"/>
+              </a:spcAft>
+              <a:buClrTx/>
+              <a:buSzTx/>
+              <a:buFontTx/>
+              <a:buNone/>
+              <a:tabLst/>
+            </a:pPr>
+            <a:r>
+              <a:rPr kumimoji="0" lang="uk-UA" altLang="uk-UA" sz="2000" b="0" i="0" u="none" strike="noStrike" cap="none" normalizeH="0" baseline="0" dirty="0">
+                <a:ln>
+                  <a:noFill/>
+                </a:ln>
+                <a:solidFill>
+                  <a:srgbClr val="75715E"/>
+                </a:solidFill>
+                <a:effectLst/>
+                <a:latin typeface="SFMono-Regular"/>
+              </a:rPr>
+              <a:t>&gt;&gt;&gt;</a:t>
+            </a:r>
+            <a:r>
+              <a:rPr kumimoji="0" lang="uk-UA" altLang="uk-UA" sz="2000" b="0" i="0" u="none" strike="noStrike" cap="none" normalizeH="0" baseline="0" dirty="0">
+                <a:ln>
+                  <a:noFill/>
+                </a:ln>
+                <a:solidFill>
+                  <a:srgbClr val="DDDDDD"/>
+                </a:solidFill>
+                <a:effectLst/>
+                <a:latin typeface="SFMono-Regular"/>
+              </a:rPr>
+              <a:t> </a:t>
+            </a:r>
+            <a:r>
+              <a:rPr kumimoji="0" lang="uk-UA" altLang="uk-UA" sz="2000" b="0" i="0" u="none" strike="noStrike" cap="none" normalizeH="0" baseline="0" dirty="0" err="1">
+                <a:ln>
+                  <a:noFill/>
+                </a:ln>
+                <a:solidFill>
+                  <a:srgbClr val="DDDDDD"/>
+                </a:solidFill>
+                <a:effectLst/>
+                <a:latin typeface="SFMono-Regular"/>
+              </a:rPr>
+              <a:t>abc</a:t>
+            </a:r>
+            <a:r>
+              <a:rPr kumimoji="0" lang="uk-UA" altLang="uk-UA" sz="2000" b="0" i="0" u="none" strike="noStrike" cap="none" normalizeH="0" baseline="0" dirty="0">
+                <a:ln>
+                  <a:noFill/>
+                </a:ln>
+                <a:solidFill>
+                  <a:srgbClr val="DDDDDD"/>
+                </a:solidFill>
+                <a:effectLst/>
+                <a:latin typeface="SFMono-Regular"/>
+              </a:rPr>
+              <a:t> = [1,2,3]</a:t>
+            </a:r>
+          </a:p>
+          <a:p>
+            <a:pPr marL="0" marR="0" lvl="0" indent="0" algn="l" defTabSz="914400" rtl="0" eaLnBrk="0" fontAlgn="base" latinLnBrk="0" hangingPunct="0">
+              <a:lnSpc>
+                <a:spcPct val="100000"/>
+              </a:lnSpc>
+              <a:spcBef>
+                <a:spcPct val="0"/>
+              </a:spcBef>
+              <a:spcAft>
+                <a:spcPct val="0"/>
+              </a:spcAft>
+              <a:buClrTx/>
+              <a:buSzTx/>
+              <a:buFontTx/>
+              <a:buNone/>
+              <a:tabLst/>
+            </a:pPr>
+            <a:r>
+              <a:rPr kumimoji="0" lang="uk-UA" altLang="uk-UA" sz="2000" b="0" i="0" u="none" strike="noStrike" cap="none" normalizeH="0" baseline="0" dirty="0">
+                <a:ln>
+                  <a:noFill/>
+                </a:ln>
+                <a:solidFill>
+                  <a:srgbClr val="DDDDDD"/>
+                </a:solidFill>
+                <a:effectLst/>
+                <a:latin typeface="SFMono-Regular"/>
+              </a:rPr>
+              <a:t> </a:t>
+            </a:r>
+            <a:r>
+              <a:rPr kumimoji="0" lang="uk-UA" altLang="uk-UA" sz="2000" b="0" i="0" u="none" strike="noStrike" cap="none" normalizeH="0" baseline="0" dirty="0">
+                <a:ln>
+                  <a:noFill/>
+                </a:ln>
+                <a:solidFill>
+                  <a:srgbClr val="75715E"/>
+                </a:solidFill>
+                <a:effectLst/>
+                <a:latin typeface="SFMono-Regular"/>
+              </a:rPr>
+              <a:t>&gt;&gt;&gt;</a:t>
+            </a:r>
+            <a:r>
+              <a:rPr kumimoji="0" lang="uk-UA" altLang="uk-UA" sz="2000" b="0" i="0" u="none" strike="noStrike" cap="none" normalizeH="0" baseline="0" dirty="0">
+                <a:ln>
+                  <a:noFill/>
+                </a:ln>
+                <a:solidFill>
+                  <a:srgbClr val="DDDDDD"/>
+                </a:solidFill>
+                <a:effectLst/>
+                <a:latin typeface="SFMono-Regular"/>
+              </a:rPr>
+              <a:t> </a:t>
+            </a:r>
+            <a:r>
+              <a:rPr kumimoji="0" lang="uk-UA" altLang="uk-UA" sz="2000" b="0" i="0" u="none" strike="noStrike" cap="none" normalizeH="0" baseline="0" dirty="0" err="1">
+                <a:ln>
+                  <a:noFill/>
+                </a:ln>
+                <a:solidFill>
+                  <a:srgbClr val="DDDDDD"/>
+                </a:solidFill>
+                <a:effectLst/>
+                <a:latin typeface="SFMono-Regular"/>
+              </a:rPr>
+              <a:t>foo</a:t>
+            </a:r>
+            <a:r>
+              <a:rPr kumimoji="0" lang="uk-UA" altLang="uk-UA" sz="2000" b="0" i="0" u="none" strike="noStrike" cap="none" normalizeH="0" baseline="0" dirty="0">
+                <a:ln>
+                  <a:noFill/>
+                </a:ln>
+                <a:solidFill>
+                  <a:srgbClr val="DDDDDD"/>
+                </a:solidFill>
+                <a:effectLst/>
+                <a:latin typeface="SFMono-Regular"/>
+              </a:rPr>
+              <a:t>(*</a:t>
+            </a:r>
+            <a:r>
+              <a:rPr kumimoji="0" lang="uk-UA" altLang="uk-UA" sz="2000" b="0" i="0" u="none" strike="noStrike" cap="none" normalizeH="0" baseline="0" dirty="0" err="1">
+                <a:ln>
+                  <a:noFill/>
+                </a:ln>
+                <a:solidFill>
+                  <a:srgbClr val="DDDDDD"/>
+                </a:solidFill>
+                <a:effectLst/>
+                <a:latin typeface="SFMono-Regular"/>
+              </a:rPr>
+              <a:t>abc</a:t>
+            </a:r>
+            <a:r>
+              <a:rPr kumimoji="0" lang="uk-UA" altLang="uk-UA" sz="2000" b="0" i="0" u="none" strike="noStrike" cap="none" normalizeH="0" baseline="0" dirty="0">
+                <a:ln>
+                  <a:noFill/>
+                </a:ln>
+                <a:solidFill>
+                  <a:srgbClr val="DDDDDD"/>
+                </a:solidFill>
+                <a:effectLst/>
+                <a:latin typeface="SFMono-Regular"/>
+              </a:rPr>
+              <a:t>) 1 2 3 </a:t>
+            </a:r>
+          </a:p>
+          <a:p>
+            <a:pPr marL="0" marR="0" lvl="0" indent="0" algn="l" defTabSz="914400" rtl="0" eaLnBrk="0" fontAlgn="base" latinLnBrk="0" hangingPunct="0">
+              <a:lnSpc>
+                <a:spcPct val="100000"/>
+              </a:lnSpc>
+              <a:spcBef>
+                <a:spcPct val="0"/>
+              </a:spcBef>
+              <a:spcAft>
+                <a:spcPct val="0"/>
+              </a:spcAft>
+              <a:buClrTx/>
+              <a:buSzTx/>
+              <a:buFontTx/>
+              <a:buNone/>
+              <a:tabLst/>
+            </a:pPr>
+            <a:r>
+              <a:rPr kumimoji="0" lang="uk-UA" altLang="uk-UA" sz="2000" b="0" i="0" u="none" strike="noStrike" cap="none" normalizeH="0" baseline="0" dirty="0">
+                <a:ln>
+                  <a:noFill/>
+                </a:ln>
+                <a:solidFill>
+                  <a:srgbClr val="75715E"/>
+                </a:solidFill>
+                <a:effectLst/>
+                <a:latin typeface="SFMono-Regular"/>
+              </a:rPr>
+              <a:t>&gt;&gt;&gt;</a:t>
+            </a:r>
+            <a:r>
+              <a:rPr kumimoji="0" lang="uk-UA" altLang="uk-UA" sz="2000" b="0" i="0" u="none" strike="noStrike" cap="none" normalizeH="0" baseline="0" dirty="0">
+                <a:ln>
+                  <a:noFill/>
+                </a:ln>
+                <a:solidFill>
+                  <a:srgbClr val="DDDDDD"/>
+                </a:solidFill>
+                <a:effectLst/>
+                <a:latin typeface="SFMono-Regular"/>
+              </a:rPr>
+              <a:t> </a:t>
+            </a:r>
+            <a:endParaRPr kumimoji="0" lang="uk-UA" altLang="uk-UA" sz="4400" b="0" i="0" u="none" strike="noStrike" cap="none" normalizeH="0" baseline="0" dirty="0">
+              <a:ln>
+                <a:noFill/>
+              </a:ln>
+              <a:solidFill>
+                <a:schemeClr val="tx1"/>
+              </a:solidFill>
+              <a:effectLst/>
+              <a:latin typeface="Arial" panose="020B0604020202020204" pitchFamily="34" charset="0"/>
+            </a:endParaRPr>
+          </a:p>
+        </p:txBody>
+      </p:sp>
+      <p:sp>
+        <p:nvSpPr>
+          <p:cNvPr id="5" name="Rectangle 3">
+            <a:extLst>
+              <a:ext uri="{FF2B5EF4-FFF2-40B4-BE49-F238E27FC236}">
+                <a16:creationId xmlns:a16="http://schemas.microsoft.com/office/drawing/2014/main" id="{09F75D61-F487-C34F-95AF-F74E272D2C82}"/>
+              </a:ext>
+            </a:extLst>
+          </p:cNvPr>
+          <p:cNvSpPr>
+            <a:spLocks noChangeArrowheads="1"/>
+          </p:cNvSpPr>
+          <p:nvPr/>
+        </p:nvSpPr>
+        <p:spPr bwMode="auto">
+          <a:xfrm>
+            <a:off x="216310" y="3155608"/>
+            <a:ext cx="11670890" cy="1569660"/>
+          </a:xfrm>
+          <a:prstGeom prst="rect">
+            <a:avLst/>
+          </a:prstGeom>
+          <a:noFill/>
+          <a:ln>
+            <a:noFill/>
+          </a:ln>
+          <a:effectLst/>
+        </p:spPr>
+        <p:txBody>
+          <a:bodyPr vert="horz" wrap="square" lIns="91440" tIns="45720" rIns="91440" bIns="45720" numCol="1" anchor="ctr" anchorCtr="0" compatLnSpc="1">
+            <a:prstTxWarp prst="textNoShape">
+              <a:avLst/>
+            </a:prstTxWarp>
+            <a:spAutoFit/>
+          </a:bodyPr>
+          <a:lstStyle/>
+          <a:p>
+            <a:pPr marL="0" marR="0" lvl="0" indent="0" algn="l" defTabSz="914400" rtl="0" eaLnBrk="0" fontAlgn="base" latinLnBrk="0" hangingPunct="0">
+              <a:lnSpc>
+                <a:spcPct val="100000"/>
+              </a:lnSpc>
+              <a:spcBef>
+                <a:spcPct val="0"/>
+              </a:spcBef>
+              <a:spcAft>
+                <a:spcPct val="0"/>
+              </a:spcAft>
+              <a:buClrTx/>
+              <a:buSzTx/>
+              <a:buFontTx/>
+              <a:buNone/>
+              <a:tabLst/>
+            </a:pPr>
+            <a:r>
+              <a:rPr kumimoji="0" lang="uk-UA" altLang="uk-UA" sz="2400" b="0" i="0" u="none" strike="noStrike" cap="none" normalizeH="0" baseline="0" dirty="0">
+                <a:ln>
+                  <a:noFill/>
+                </a:ln>
+                <a:effectLst/>
+                <a:latin typeface="Roboto" panose="02000000000000000000" pitchFamily="2" charset="0"/>
+              </a:rPr>
+              <a:t>Ще одну цікаву можливість використання </a:t>
+            </a:r>
+            <a:r>
+              <a:rPr kumimoji="0" lang="uk-UA" altLang="uk-UA" sz="2400" b="0" i="0" u="none" strike="noStrike" cap="none" normalizeH="0" baseline="0" dirty="0">
+                <a:ln>
+                  <a:noFill/>
+                </a:ln>
+                <a:effectLst/>
+                <a:latin typeface="Courier New" panose="02070309020205020404" pitchFamily="49" charset="0"/>
+                <a:cs typeface="Courier New" panose="02070309020205020404" pitchFamily="49" charset="0"/>
+              </a:rPr>
+              <a:t>*</a:t>
+            </a:r>
+            <a:r>
+              <a:rPr kumimoji="0" lang="uk-UA" altLang="uk-UA" sz="2400" b="0" i="0" u="none" strike="noStrike" cap="none" normalizeH="0" baseline="0" dirty="0">
+                <a:ln>
+                  <a:noFill/>
+                </a:ln>
+                <a:effectLst/>
+                <a:latin typeface="Roboto" panose="02000000000000000000" pitchFamily="2" charset="0"/>
+              </a:rPr>
+              <a:t> синтаксису було додано в третю версію </a:t>
+            </a:r>
+            <a:r>
+              <a:rPr kumimoji="0" lang="uk-UA" altLang="uk-UA" sz="2400" b="0" i="0" u="none" strike="noStrike" cap="none" normalizeH="0" baseline="0" dirty="0" err="1">
+                <a:ln>
+                  <a:noFill/>
+                </a:ln>
+                <a:effectLst/>
+                <a:latin typeface="Roboto" panose="02000000000000000000" pitchFamily="2" charset="0"/>
+              </a:rPr>
+              <a:t>Python</a:t>
+            </a:r>
+            <a:r>
+              <a:rPr kumimoji="0" lang="uk-UA" altLang="uk-UA" sz="2400" b="0" i="0" u="none" strike="noStrike" cap="none" normalizeH="0" baseline="0" dirty="0">
+                <a:ln>
+                  <a:noFill/>
+                </a:ln>
+                <a:effectLst/>
+                <a:latin typeface="Roboto" panose="02000000000000000000" pitchFamily="2" charset="0"/>
+              </a:rPr>
+              <a:t>:</a:t>
+            </a:r>
+            <a:endParaRPr kumimoji="0" lang="uk-UA" altLang="uk-UA" sz="2400" b="0" i="0" u="none" strike="noStrike" cap="none" normalizeH="0" baseline="0" dirty="0">
+              <a:ln>
+                <a:noFill/>
+              </a:ln>
+              <a:effectLst/>
+            </a:endParaRPr>
+          </a:p>
+          <a:p>
+            <a:pPr marL="0" marR="0" lvl="0" indent="0" algn="l" defTabSz="914400" rtl="0" eaLnBrk="0" fontAlgn="base" latinLnBrk="0" hangingPunct="0">
+              <a:lnSpc>
+                <a:spcPct val="100000"/>
+              </a:lnSpc>
+              <a:spcBef>
+                <a:spcPct val="0"/>
+              </a:spcBef>
+              <a:spcAft>
+                <a:spcPct val="0"/>
+              </a:spcAft>
+              <a:buClrTx/>
+              <a:buSzTx/>
+              <a:buFontTx/>
+              <a:buNone/>
+              <a:tabLst/>
+            </a:pPr>
+            <a:br>
+              <a:rPr kumimoji="0" lang="uk-UA" altLang="uk-UA" sz="2400" b="0" i="0" u="none" strike="noStrike" cap="none" normalizeH="0" baseline="0" dirty="0">
+                <a:ln>
+                  <a:noFill/>
+                </a:ln>
+                <a:effectLst/>
+                <a:latin typeface="Arial" panose="020B0604020202020204" pitchFamily="34" charset="0"/>
+              </a:rPr>
+            </a:br>
+            <a:endParaRPr kumimoji="0" lang="uk-UA" altLang="uk-UA" sz="2400" b="0" i="0" u="none" strike="noStrike" cap="none" normalizeH="0" baseline="0" dirty="0">
+              <a:ln>
+                <a:noFill/>
+              </a:ln>
+              <a:effectLst/>
+              <a:latin typeface="Arial" panose="020B0604020202020204" pitchFamily="34" charset="0"/>
+            </a:endParaRPr>
+          </a:p>
+        </p:txBody>
+      </p:sp>
+      <p:sp>
+        <p:nvSpPr>
+          <p:cNvPr id="6" name="Rectangle 4">
+            <a:extLst>
+              <a:ext uri="{FF2B5EF4-FFF2-40B4-BE49-F238E27FC236}">
+                <a16:creationId xmlns:a16="http://schemas.microsoft.com/office/drawing/2014/main" id="{987EF3B0-50B2-5709-458C-5A157622B09F}"/>
+              </a:ext>
+            </a:extLst>
+          </p:cNvPr>
+          <p:cNvSpPr>
+            <a:spLocks noChangeArrowheads="1"/>
+          </p:cNvSpPr>
+          <p:nvPr/>
+        </p:nvSpPr>
+        <p:spPr bwMode="auto">
+          <a:xfrm>
+            <a:off x="216310" y="4072646"/>
+            <a:ext cx="3885936" cy="2262158"/>
+          </a:xfrm>
+          <a:prstGeom prst="rect">
+            <a:avLst/>
+          </a:prstGeom>
+          <a:solidFill>
+            <a:srgbClr val="272822"/>
+          </a:solidFill>
+          <a:ln>
+            <a:noFill/>
+          </a:ln>
+          <a:effectLst/>
+          <a:extLst>
+            <a:ext uri="{91240B29-F687-4F45-9708-019B960494DF}">
+              <a14:hiddenLine xmlns:a14="http://schemas.microsoft.com/office/drawing/2010/main" w="9525">
+                <a:solidFill>
+                  <a:schemeClr val="tx1"/>
+                </a:solidFill>
+                <a:miter lim="800000"/>
+                <a:headEnd/>
+                <a:tailEnd/>
+              </a14:hiddenLine>
+            </a:ext>
+            <a:ext uri="{AF507438-7753-43E0-B8FC-AC1667EBCBE1}">
+              <a14:hiddenEffects xmlns:a14="http://schemas.microsoft.com/office/drawing/2010/main">
+                <a:effectLst>
+                  <a:outerShdw dist="35921" dir="2700000" algn="ctr" rotWithShape="0">
+                    <a:schemeClr val="bg2"/>
+                  </a:outerShdw>
+                </a:effectLst>
+              </a14:hiddenEffects>
+            </a:ext>
+          </a:extLst>
+        </p:spPr>
+        <p:txBody>
+          <a:bodyPr vert="horz" wrap="none" lIns="91440" tIns="0" rIns="91440" bIns="45720" numCol="1" anchor="ctr" anchorCtr="0" compatLnSpc="1">
+            <a:prstTxWarp prst="textNoShape">
+              <a:avLst/>
+            </a:prstTxWarp>
+            <a:spAutoFit/>
+          </a:bodyPr>
+          <a:lstStyle/>
+          <a:p>
+            <a:pPr marL="0" marR="0" lvl="0" indent="0" algn="l" defTabSz="914400" rtl="0" eaLnBrk="0" fontAlgn="base" latinLnBrk="0" hangingPunct="0">
+              <a:lnSpc>
+                <a:spcPct val="100000"/>
+              </a:lnSpc>
+              <a:spcBef>
+                <a:spcPct val="0"/>
+              </a:spcBef>
+              <a:spcAft>
+                <a:spcPct val="0"/>
+              </a:spcAft>
+              <a:buClrTx/>
+              <a:buSzTx/>
+              <a:buFontTx/>
+              <a:buNone/>
+              <a:tabLst/>
+            </a:pPr>
+            <a:r>
+              <a:rPr kumimoji="0" lang="uk-UA" altLang="uk-UA" b="0" i="0" u="none" strike="noStrike" cap="none" normalizeH="0" baseline="0" dirty="0">
+                <a:ln>
+                  <a:noFill/>
+                </a:ln>
+                <a:solidFill>
+                  <a:srgbClr val="75715E"/>
+                </a:solidFill>
+                <a:effectLst/>
+                <a:latin typeface="SFMono-Regular"/>
+              </a:rPr>
+              <a:t>&gt;&gt;&gt;</a:t>
+            </a:r>
+            <a:r>
+              <a:rPr kumimoji="0" lang="uk-UA" altLang="uk-UA" b="0" i="0" u="none" strike="noStrike" cap="none" normalizeH="0" baseline="0" dirty="0">
+                <a:ln>
+                  <a:noFill/>
+                </a:ln>
+                <a:solidFill>
+                  <a:srgbClr val="DDDDDD"/>
+                </a:solidFill>
+                <a:effectLst/>
+                <a:latin typeface="SFMono-Regular"/>
+              </a:rPr>
+              <a:t> </a:t>
+            </a:r>
+            <a:r>
+              <a:rPr kumimoji="0" lang="uk-UA" altLang="uk-UA" b="0" i="0" u="none" strike="noStrike" cap="none" normalizeH="0" baseline="0" dirty="0" err="1">
+                <a:ln>
+                  <a:noFill/>
+                </a:ln>
+                <a:solidFill>
+                  <a:srgbClr val="DDDDDD"/>
+                </a:solidFill>
+                <a:effectLst/>
+                <a:latin typeface="SFMono-Regular"/>
+              </a:rPr>
+              <a:t>first</a:t>
+            </a:r>
+            <a:r>
+              <a:rPr kumimoji="0" lang="uk-UA" altLang="uk-UA" b="0" i="0" u="none" strike="noStrike" cap="none" normalizeH="0" baseline="0" dirty="0">
+                <a:ln>
+                  <a:noFill/>
+                </a:ln>
+                <a:solidFill>
+                  <a:srgbClr val="DDDDDD"/>
+                </a:solidFill>
+                <a:effectLst/>
+                <a:latin typeface="SFMono-Regular"/>
+              </a:rPr>
+              <a:t>, *</a:t>
+            </a:r>
+            <a:r>
+              <a:rPr kumimoji="0" lang="uk-UA" altLang="uk-UA" b="0" i="0" u="none" strike="noStrike" cap="none" normalizeH="0" baseline="0" dirty="0" err="1">
+                <a:ln>
+                  <a:noFill/>
+                </a:ln>
+                <a:solidFill>
+                  <a:srgbClr val="DDDDDD"/>
+                </a:solidFill>
+                <a:effectLst/>
+                <a:latin typeface="SFMono-Regular"/>
+              </a:rPr>
+              <a:t>other</a:t>
+            </a:r>
+            <a:r>
+              <a:rPr kumimoji="0" lang="uk-UA" altLang="uk-UA" b="0" i="0" u="none" strike="noStrike" cap="none" normalizeH="0" baseline="0" dirty="0">
+                <a:ln>
+                  <a:noFill/>
+                </a:ln>
+                <a:solidFill>
+                  <a:srgbClr val="DDDDDD"/>
+                </a:solidFill>
+                <a:effectLst/>
+                <a:latin typeface="SFMono-Regular"/>
+              </a:rPr>
+              <a:t> = [1,2,3,4] </a:t>
+            </a:r>
+          </a:p>
+          <a:p>
+            <a:pPr marL="0" marR="0" lvl="0" indent="0" algn="l" defTabSz="914400" rtl="0" eaLnBrk="0" fontAlgn="base" latinLnBrk="0" hangingPunct="0">
+              <a:lnSpc>
+                <a:spcPct val="100000"/>
+              </a:lnSpc>
+              <a:spcBef>
+                <a:spcPct val="0"/>
+              </a:spcBef>
+              <a:spcAft>
+                <a:spcPct val="0"/>
+              </a:spcAft>
+              <a:buClrTx/>
+              <a:buSzTx/>
+              <a:buFontTx/>
+              <a:buNone/>
+              <a:tabLst/>
+            </a:pPr>
+            <a:r>
+              <a:rPr kumimoji="0" lang="uk-UA" altLang="uk-UA" b="0" i="0" u="none" strike="noStrike" cap="none" normalizeH="0" baseline="0" dirty="0">
+                <a:ln>
+                  <a:noFill/>
+                </a:ln>
+                <a:solidFill>
+                  <a:srgbClr val="75715E"/>
+                </a:solidFill>
+                <a:effectLst/>
+                <a:latin typeface="SFMono-Regular"/>
+              </a:rPr>
+              <a:t>&gt;&gt;&gt;</a:t>
+            </a:r>
+            <a:r>
+              <a:rPr kumimoji="0" lang="uk-UA" altLang="uk-UA" b="0" i="0" u="none" strike="noStrike" cap="none" normalizeH="0" baseline="0" dirty="0">
+                <a:ln>
+                  <a:noFill/>
+                </a:ln>
+                <a:solidFill>
+                  <a:srgbClr val="DDDDDD"/>
+                </a:solidFill>
+                <a:effectLst/>
+                <a:latin typeface="SFMono-Regular"/>
+              </a:rPr>
+              <a:t> </a:t>
+            </a:r>
+            <a:r>
+              <a:rPr kumimoji="0" lang="uk-UA" altLang="uk-UA" b="0" i="0" u="none" strike="noStrike" cap="none" normalizeH="0" baseline="0" dirty="0" err="1">
+                <a:ln>
+                  <a:noFill/>
+                </a:ln>
+                <a:solidFill>
+                  <a:srgbClr val="DDDDDD"/>
+                </a:solidFill>
+                <a:effectLst/>
+                <a:latin typeface="SFMono-Regular"/>
+              </a:rPr>
+              <a:t>first</a:t>
+            </a:r>
+            <a:r>
+              <a:rPr kumimoji="0" lang="uk-UA" altLang="uk-UA" b="0" i="0" u="none" strike="noStrike" cap="none" normalizeH="0" baseline="0" dirty="0">
+                <a:ln>
+                  <a:noFill/>
+                </a:ln>
+                <a:solidFill>
+                  <a:srgbClr val="DDDDDD"/>
+                </a:solidFill>
+                <a:effectLst/>
+                <a:latin typeface="SFMono-Regular"/>
+              </a:rPr>
+              <a:t> </a:t>
+            </a:r>
+          </a:p>
+          <a:p>
+            <a:pPr marL="0" marR="0" lvl="0" indent="0" algn="l" defTabSz="914400" rtl="0" eaLnBrk="0" fontAlgn="base" latinLnBrk="0" hangingPunct="0">
+              <a:lnSpc>
+                <a:spcPct val="100000"/>
+              </a:lnSpc>
+              <a:spcBef>
+                <a:spcPct val="0"/>
+              </a:spcBef>
+              <a:spcAft>
+                <a:spcPct val="0"/>
+              </a:spcAft>
+              <a:buClrTx/>
+              <a:buSzTx/>
+              <a:buFontTx/>
+              <a:buNone/>
+              <a:tabLst/>
+            </a:pPr>
+            <a:r>
+              <a:rPr kumimoji="0" lang="uk-UA" altLang="uk-UA" b="0" i="0" u="none" strike="noStrike" cap="none" normalizeH="0" baseline="0" dirty="0">
+                <a:ln>
+                  <a:noFill/>
+                </a:ln>
+                <a:solidFill>
+                  <a:srgbClr val="DDDDDD"/>
+                </a:solidFill>
+                <a:effectLst/>
+                <a:latin typeface="SFMono-Regular"/>
+              </a:rPr>
+              <a:t>1 </a:t>
+            </a:r>
+          </a:p>
+          <a:p>
+            <a:pPr marL="0" marR="0" lvl="0" indent="0" algn="l" defTabSz="914400" rtl="0" eaLnBrk="0" fontAlgn="base" latinLnBrk="0" hangingPunct="0">
+              <a:lnSpc>
+                <a:spcPct val="100000"/>
+              </a:lnSpc>
+              <a:spcBef>
+                <a:spcPct val="0"/>
+              </a:spcBef>
+              <a:spcAft>
+                <a:spcPct val="0"/>
+              </a:spcAft>
+              <a:buClrTx/>
+              <a:buSzTx/>
+              <a:buFontTx/>
+              <a:buNone/>
+              <a:tabLst/>
+            </a:pPr>
+            <a:r>
+              <a:rPr kumimoji="0" lang="uk-UA" altLang="uk-UA" b="0" i="0" u="none" strike="noStrike" cap="none" normalizeH="0" baseline="0" dirty="0">
+                <a:ln>
+                  <a:noFill/>
+                </a:ln>
+                <a:solidFill>
+                  <a:srgbClr val="75715E"/>
+                </a:solidFill>
+                <a:effectLst/>
+                <a:latin typeface="SFMono-Regular"/>
+              </a:rPr>
+              <a:t>&gt;&gt;&gt;</a:t>
+            </a:r>
+            <a:r>
+              <a:rPr kumimoji="0" lang="uk-UA" altLang="uk-UA" b="0" i="0" u="none" strike="noStrike" cap="none" normalizeH="0" baseline="0" dirty="0">
+                <a:ln>
+                  <a:noFill/>
+                </a:ln>
+                <a:solidFill>
+                  <a:srgbClr val="DDDDDD"/>
+                </a:solidFill>
+                <a:effectLst/>
+                <a:latin typeface="SFMono-Regular"/>
+              </a:rPr>
+              <a:t> </a:t>
+            </a:r>
+            <a:r>
+              <a:rPr kumimoji="0" lang="uk-UA" altLang="uk-UA" b="0" i="0" u="none" strike="noStrike" cap="none" normalizeH="0" baseline="0" dirty="0" err="1">
+                <a:ln>
+                  <a:noFill/>
+                </a:ln>
+                <a:solidFill>
+                  <a:srgbClr val="DDDDDD"/>
+                </a:solidFill>
+                <a:effectLst/>
+                <a:latin typeface="SFMono-Regular"/>
+              </a:rPr>
+              <a:t>other</a:t>
+            </a:r>
+            <a:r>
+              <a:rPr kumimoji="0" lang="uk-UA" altLang="uk-UA" b="0" i="0" u="none" strike="noStrike" cap="none" normalizeH="0" baseline="0" dirty="0">
+                <a:ln>
+                  <a:noFill/>
+                </a:ln>
+                <a:solidFill>
+                  <a:srgbClr val="DDDDDD"/>
+                </a:solidFill>
+                <a:effectLst/>
+                <a:latin typeface="SFMono-Regular"/>
+              </a:rPr>
+              <a:t> </a:t>
+            </a:r>
+          </a:p>
+          <a:p>
+            <a:pPr marL="0" marR="0" lvl="0" indent="0" algn="l" defTabSz="914400" rtl="0" eaLnBrk="0" fontAlgn="base" latinLnBrk="0" hangingPunct="0">
+              <a:lnSpc>
+                <a:spcPct val="100000"/>
+              </a:lnSpc>
+              <a:spcBef>
+                <a:spcPct val="0"/>
+              </a:spcBef>
+              <a:spcAft>
+                <a:spcPct val="0"/>
+              </a:spcAft>
+              <a:buClrTx/>
+              <a:buSzTx/>
+              <a:buFontTx/>
+              <a:buNone/>
+              <a:tabLst/>
+            </a:pPr>
+            <a:r>
+              <a:rPr kumimoji="0" lang="uk-UA" altLang="uk-UA" b="0" i="0" u="none" strike="noStrike" cap="none" normalizeH="0" baseline="0" dirty="0">
+                <a:ln>
+                  <a:noFill/>
+                </a:ln>
+                <a:solidFill>
+                  <a:srgbClr val="DDDDDD"/>
+                </a:solidFill>
+                <a:effectLst/>
+                <a:latin typeface="SFMono-Regular"/>
+              </a:rPr>
+              <a:t>[2, 3, 4] </a:t>
+            </a:r>
+          </a:p>
+          <a:p>
+            <a:pPr marL="0" marR="0" lvl="0" indent="0" algn="l" defTabSz="914400" rtl="0" eaLnBrk="0" fontAlgn="base" latinLnBrk="0" hangingPunct="0">
+              <a:lnSpc>
+                <a:spcPct val="100000"/>
+              </a:lnSpc>
+              <a:spcBef>
+                <a:spcPct val="0"/>
+              </a:spcBef>
+              <a:spcAft>
+                <a:spcPct val="0"/>
+              </a:spcAft>
+              <a:buClrTx/>
+              <a:buSzTx/>
+              <a:buFontTx/>
+              <a:buNone/>
+              <a:tabLst/>
+            </a:pPr>
+            <a:r>
+              <a:rPr kumimoji="0" lang="uk-UA" altLang="uk-UA" b="0" i="0" u="none" strike="noStrike" cap="none" normalizeH="0" baseline="0" dirty="0">
+                <a:ln>
+                  <a:noFill/>
+                </a:ln>
+                <a:solidFill>
+                  <a:srgbClr val="75715E"/>
+                </a:solidFill>
+                <a:effectLst/>
+                <a:latin typeface="SFMono-Regular"/>
+              </a:rPr>
+              <a:t>&gt;&gt;&gt;</a:t>
+            </a:r>
+            <a:r>
+              <a:rPr kumimoji="0" lang="uk-UA" altLang="uk-UA" b="0" i="0" u="none" strike="noStrike" cap="none" normalizeH="0" baseline="0" dirty="0">
+                <a:ln>
+                  <a:noFill/>
+                </a:ln>
+                <a:solidFill>
+                  <a:srgbClr val="DDDDDD"/>
+                </a:solidFill>
+                <a:effectLst/>
+                <a:latin typeface="SFMono-Regular"/>
+              </a:rPr>
+              <a:t> </a:t>
+            </a:r>
+            <a:r>
+              <a:rPr kumimoji="0" lang="uk-UA" altLang="uk-UA" b="0" i="0" u="none" strike="noStrike" cap="none" normalizeH="0" baseline="0" dirty="0" err="1">
+                <a:ln>
+                  <a:noFill/>
+                </a:ln>
+                <a:solidFill>
+                  <a:srgbClr val="DDDDDD"/>
+                </a:solidFill>
+                <a:effectLst/>
+                <a:latin typeface="SFMono-Regular"/>
+              </a:rPr>
+              <a:t>first</a:t>
+            </a:r>
+            <a:r>
+              <a:rPr kumimoji="0" lang="uk-UA" altLang="uk-UA" b="0" i="0" u="none" strike="noStrike" cap="none" normalizeH="0" baseline="0" dirty="0">
+                <a:ln>
+                  <a:noFill/>
+                </a:ln>
+                <a:solidFill>
+                  <a:srgbClr val="DDDDDD"/>
+                </a:solidFill>
+                <a:effectLst/>
+                <a:latin typeface="SFMono-Regular"/>
+              </a:rPr>
+              <a:t>, *</a:t>
+            </a:r>
+            <a:r>
+              <a:rPr kumimoji="0" lang="uk-UA" altLang="uk-UA" b="0" i="0" u="none" strike="noStrike" cap="none" normalizeH="0" baseline="0" dirty="0" err="1">
+                <a:ln>
+                  <a:noFill/>
+                </a:ln>
+                <a:solidFill>
+                  <a:srgbClr val="DDDDDD"/>
+                </a:solidFill>
+                <a:effectLst/>
+                <a:latin typeface="SFMono-Regular"/>
+              </a:rPr>
+              <a:t>other</a:t>
+            </a:r>
+            <a:r>
+              <a:rPr kumimoji="0" lang="uk-UA" altLang="uk-UA" b="0" i="0" u="none" strike="noStrike" cap="none" normalizeH="0" baseline="0" dirty="0">
+                <a:ln>
+                  <a:noFill/>
+                </a:ln>
+                <a:solidFill>
+                  <a:srgbClr val="DDDDDD"/>
+                </a:solidFill>
+                <a:effectLst/>
+                <a:latin typeface="SFMono-Regular"/>
+              </a:rPr>
+              <a:t>, </a:t>
+            </a:r>
+            <a:r>
+              <a:rPr kumimoji="0" lang="uk-UA" altLang="uk-UA" b="0" i="0" u="none" strike="noStrike" cap="none" normalizeH="0" baseline="0" dirty="0" err="1">
+                <a:ln>
+                  <a:noFill/>
+                </a:ln>
+                <a:solidFill>
+                  <a:srgbClr val="DDDDDD"/>
+                </a:solidFill>
+                <a:effectLst/>
+                <a:latin typeface="SFMono-Regular"/>
+              </a:rPr>
+              <a:t>penult</a:t>
+            </a:r>
+            <a:r>
+              <a:rPr kumimoji="0" lang="uk-UA" altLang="uk-UA" b="0" i="0" u="none" strike="noStrike" cap="none" normalizeH="0" baseline="0" dirty="0">
+                <a:ln>
+                  <a:noFill/>
+                </a:ln>
+                <a:solidFill>
+                  <a:srgbClr val="DDDDDD"/>
+                </a:solidFill>
+                <a:effectLst/>
+                <a:latin typeface="SFMono-Regular"/>
+              </a:rPr>
+              <a:t>, </a:t>
+            </a:r>
+            <a:r>
+              <a:rPr kumimoji="0" lang="uk-UA" altLang="uk-UA" b="0" i="0" u="none" strike="noStrike" cap="none" normalizeH="0" baseline="0" dirty="0" err="1">
+                <a:ln>
+                  <a:noFill/>
+                </a:ln>
+                <a:solidFill>
+                  <a:srgbClr val="DDDDDD"/>
+                </a:solidFill>
+                <a:effectLst/>
+                <a:latin typeface="SFMono-Regular"/>
+              </a:rPr>
+              <a:t>last</a:t>
+            </a:r>
+            <a:r>
+              <a:rPr kumimoji="0" lang="uk-UA" altLang="uk-UA" b="0" i="0" u="none" strike="noStrike" cap="none" normalizeH="0" baseline="0" dirty="0">
+                <a:ln>
+                  <a:noFill/>
+                </a:ln>
+                <a:solidFill>
+                  <a:srgbClr val="DDDDDD"/>
+                </a:solidFill>
+                <a:effectLst/>
+                <a:latin typeface="SFMono-Regular"/>
+              </a:rPr>
+              <a:t> = [1,2,3,4] </a:t>
+            </a:r>
+          </a:p>
+          <a:p>
+            <a:pPr marL="0" marR="0" lvl="0" indent="0" algn="l" defTabSz="914400" rtl="0" eaLnBrk="0" fontAlgn="base" latinLnBrk="0" hangingPunct="0">
+              <a:lnSpc>
+                <a:spcPct val="100000"/>
+              </a:lnSpc>
+              <a:spcBef>
+                <a:spcPct val="0"/>
+              </a:spcBef>
+              <a:spcAft>
+                <a:spcPct val="0"/>
+              </a:spcAft>
+              <a:buClrTx/>
+              <a:buSzTx/>
+              <a:buFontTx/>
+              <a:buNone/>
+              <a:tabLst/>
+            </a:pPr>
+            <a:r>
+              <a:rPr kumimoji="0" lang="uk-UA" altLang="uk-UA" b="0" i="0" u="none" strike="noStrike" cap="none" normalizeH="0" baseline="0" dirty="0">
+                <a:ln>
+                  <a:noFill/>
+                </a:ln>
+                <a:solidFill>
+                  <a:srgbClr val="75715E"/>
+                </a:solidFill>
+                <a:effectLst/>
+                <a:latin typeface="SFMono-Regular"/>
+              </a:rPr>
+              <a:t>&gt;&gt;&gt;</a:t>
+            </a:r>
+            <a:r>
+              <a:rPr kumimoji="0" lang="uk-UA" altLang="uk-UA" b="0" i="0" u="none" strike="noStrike" cap="none" normalizeH="0" baseline="0" dirty="0">
+                <a:ln>
+                  <a:noFill/>
+                </a:ln>
+                <a:solidFill>
+                  <a:srgbClr val="DDDDDD"/>
+                </a:solidFill>
+                <a:effectLst/>
+                <a:latin typeface="SFMono-Regular"/>
+              </a:rPr>
+              <a:t> </a:t>
+            </a:r>
+            <a:r>
+              <a:rPr kumimoji="0" lang="uk-UA" altLang="uk-UA" b="0" i="0" u="none" strike="noStrike" cap="none" normalizeH="0" baseline="0" dirty="0" err="1">
+                <a:ln>
+                  <a:noFill/>
+                </a:ln>
+                <a:solidFill>
+                  <a:srgbClr val="DDDDDD"/>
+                </a:solidFill>
+                <a:effectLst/>
+                <a:latin typeface="SFMono-Regular"/>
+              </a:rPr>
+              <a:t>other</a:t>
+            </a:r>
+            <a:r>
+              <a:rPr kumimoji="0" lang="uk-UA" altLang="uk-UA" b="0" i="0" u="none" strike="noStrike" cap="none" normalizeH="0" baseline="0" dirty="0">
+                <a:ln>
+                  <a:noFill/>
+                </a:ln>
+                <a:solidFill>
+                  <a:srgbClr val="DDDDDD"/>
+                </a:solidFill>
+                <a:effectLst/>
+                <a:latin typeface="SFMono-Regular"/>
+              </a:rPr>
+              <a:t> </a:t>
+            </a:r>
+          </a:p>
+          <a:p>
+            <a:pPr marL="0" marR="0" lvl="0" indent="0" algn="l" defTabSz="914400" rtl="0" eaLnBrk="0" fontAlgn="base" latinLnBrk="0" hangingPunct="0">
+              <a:lnSpc>
+                <a:spcPct val="100000"/>
+              </a:lnSpc>
+              <a:spcBef>
+                <a:spcPct val="0"/>
+              </a:spcBef>
+              <a:spcAft>
+                <a:spcPct val="0"/>
+              </a:spcAft>
+              <a:buClrTx/>
+              <a:buSzTx/>
+              <a:buFontTx/>
+              <a:buNone/>
+              <a:tabLst/>
+            </a:pPr>
+            <a:r>
+              <a:rPr kumimoji="0" lang="uk-UA" altLang="uk-UA" b="0" i="0" u="none" strike="noStrike" cap="none" normalizeH="0" baseline="0" dirty="0">
+                <a:ln>
+                  <a:noFill/>
+                </a:ln>
+                <a:solidFill>
+                  <a:srgbClr val="DDDDDD"/>
+                </a:solidFill>
+                <a:effectLst/>
+                <a:latin typeface="SFMono-Regular"/>
+              </a:rPr>
+              <a:t>[2]</a:t>
+            </a:r>
+            <a:r>
+              <a:rPr kumimoji="0" lang="uk-UA" altLang="uk-UA" sz="1400" b="0" i="0" u="none" strike="noStrike" cap="none" normalizeH="0" baseline="0" dirty="0">
+                <a:ln>
+                  <a:noFill/>
+                </a:ln>
+                <a:solidFill>
+                  <a:schemeClr val="tx1"/>
+                </a:solidFill>
+                <a:effectLst/>
+              </a:rPr>
+              <a:t> </a:t>
+            </a:r>
+            <a:endParaRPr kumimoji="0" lang="uk-UA" altLang="uk-UA" sz="4000" b="0" i="0" u="none" strike="noStrike" cap="none" normalizeH="0" baseline="0" dirty="0">
+              <a:ln>
+                <a:noFill/>
+              </a:ln>
+              <a:solidFill>
+                <a:schemeClr val="tx1"/>
+              </a:solidFill>
+              <a:effectLst/>
+              <a:latin typeface="Arial" panose="020B0604020202020204" pitchFamily="34" charset="0"/>
+            </a:endParaRPr>
+          </a:p>
+        </p:txBody>
+      </p:sp>
+    </p:spTree>
+    <p:extLst>
+      <p:ext uri="{BB962C8B-B14F-4D97-AF65-F5344CB8AC3E}">
+        <p14:creationId xmlns:p14="http://schemas.microsoft.com/office/powerpoint/2010/main" val="4023402852"/>
+      </p:ext>
+    </p:extLst>
+  </p:cSld>
+  <p:clrMapOvr>
+    <a:masterClrMapping/>
+  </p:clrMapOvr>
+</p:sld>
+</file>
+
 <file path=ppt/tags/tag1.xml><?xml version="1.0" encoding="utf-8"?>
 <p:tagLst xmlns:a="http://schemas.openxmlformats.org/drawingml/2006/main" xmlns:r="http://schemas.openxmlformats.org/officeDocument/2006/relationships" xmlns:p="http://schemas.openxmlformats.org/presentationml/2006/main">
   <p:tag name="AS_UNIQUEID" val="4326"/>

--- a/Python Урок 6 Функція. Рекурсія.pptx
+++ b/Python Урок 6 Функція. Рекурсія.pptx
@@ -267,7 +267,7 @@
           <a:p>
             <a:fld id="{35F3F541-C603-432C-850D-26098A256292}" type="datetimeFigureOut">
               <a:rPr lang="uk-UA" smtClean="0"/>
-              <a:t>25.09.2024</a:t>
+              <a:t>16.10.2024</a:t>
             </a:fld>
             <a:endParaRPr lang="uk-UA"/>
           </a:p>
@@ -467,7 +467,7 @@
           <a:p>
             <a:fld id="{35F3F541-C603-432C-850D-26098A256292}" type="datetimeFigureOut">
               <a:rPr lang="uk-UA" smtClean="0"/>
-              <a:t>25.09.2024</a:t>
+              <a:t>16.10.2024</a:t>
             </a:fld>
             <a:endParaRPr lang="uk-UA"/>
           </a:p>
@@ -677,7 +677,7 @@
           <a:p>
             <a:fld id="{35F3F541-C603-432C-850D-26098A256292}" type="datetimeFigureOut">
               <a:rPr lang="uk-UA" smtClean="0"/>
-              <a:t>25.09.2024</a:t>
+              <a:t>16.10.2024</a:t>
             </a:fld>
             <a:endParaRPr lang="uk-UA"/>
           </a:p>
@@ -877,7 +877,7 @@
           <a:p>
             <a:fld id="{35F3F541-C603-432C-850D-26098A256292}" type="datetimeFigureOut">
               <a:rPr lang="uk-UA" smtClean="0"/>
-              <a:t>25.09.2024</a:t>
+              <a:t>16.10.2024</a:t>
             </a:fld>
             <a:endParaRPr lang="uk-UA"/>
           </a:p>
@@ -1153,7 +1153,7 @@
           <a:p>
             <a:fld id="{35F3F541-C603-432C-850D-26098A256292}" type="datetimeFigureOut">
               <a:rPr lang="uk-UA" smtClean="0"/>
-              <a:t>25.09.2024</a:t>
+              <a:t>16.10.2024</a:t>
             </a:fld>
             <a:endParaRPr lang="uk-UA"/>
           </a:p>
@@ -1421,7 +1421,7 @@
           <a:p>
             <a:fld id="{35F3F541-C603-432C-850D-26098A256292}" type="datetimeFigureOut">
               <a:rPr lang="uk-UA" smtClean="0"/>
-              <a:t>25.09.2024</a:t>
+              <a:t>16.10.2024</a:t>
             </a:fld>
             <a:endParaRPr lang="uk-UA"/>
           </a:p>
@@ -1836,7 +1836,7 @@
           <a:p>
             <a:fld id="{35F3F541-C603-432C-850D-26098A256292}" type="datetimeFigureOut">
               <a:rPr lang="uk-UA" smtClean="0"/>
-              <a:t>25.09.2024</a:t>
+              <a:t>16.10.2024</a:t>
             </a:fld>
             <a:endParaRPr lang="uk-UA"/>
           </a:p>
@@ -1978,7 +1978,7 @@
           <a:p>
             <a:fld id="{35F3F541-C603-432C-850D-26098A256292}" type="datetimeFigureOut">
               <a:rPr lang="uk-UA" smtClean="0"/>
-              <a:t>25.09.2024</a:t>
+              <a:t>16.10.2024</a:t>
             </a:fld>
             <a:endParaRPr lang="uk-UA"/>
           </a:p>
@@ -2091,7 +2091,7 @@
           <a:p>
             <a:fld id="{35F3F541-C603-432C-850D-26098A256292}" type="datetimeFigureOut">
               <a:rPr lang="uk-UA" smtClean="0"/>
-              <a:t>25.09.2024</a:t>
+              <a:t>16.10.2024</a:t>
             </a:fld>
             <a:endParaRPr lang="uk-UA"/>
           </a:p>
@@ -2404,7 +2404,7 @@
           <a:p>
             <a:fld id="{35F3F541-C603-432C-850D-26098A256292}" type="datetimeFigureOut">
               <a:rPr lang="uk-UA" smtClean="0"/>
-              <a:t>25.09.2024</a:t>
+              <a:t>16.10.2024</a:t>
             </a:fld>
             <a:endParaRPr lang="uk-UA"/>
           </a:p>
@@ -2693,7 +2693,7 @@
           <a:p>
             <a:fld id="{35F3F541-C603-432C-850D-26098A256292}" type="datetimeFigureOut">
               <a:rPr lang="uk-UA" smtClean="0"/>
-              <a:t>25.09.2024</a:t>
+              <a:t>16.10.2024</a:t>
             </a:fld>
             <a:endParaRPr lang="uk-UA"/>
           </a:p>
@@ -2936,7 +2936,7 @@
           <a:p>
             <a:fld id="{35F3F541-C603-432C-850D-26098A256292}" type="datetimeFigureOut">
               <a:rPr lang="uk-UA" smtClean="0"/>
-              <a:t>25.09.2024</a:t>
+              <a:t>16.10.2024</a:t>
             </a:fld>
             <a:endParaRPr lang="uk-UA"/>
           </a:p>
@@ -7246,7 +7246,7 @@
               <a:tabLst/>
             </a:pPr>
             <a:r>
-              <a:rPr kumimoji="0" lang="uk-UA" altLang="uk-UA" sz="1600" b="0" i="0" u="none" strike="noStrike" cap="none" normalizeH="0" baseline="0" dirty="0">
+              <a:rPr kumimoji="0" lang="uk-UA" altLang="uk-UA" sz="1600" b="0" i="0" u="none" strike="noStrike" cap="none" normalizeH="0" baseline="0">
                 <a:ln>
                   <a:noFill/>
                 </a:ln>
@@ -7257,21 +7257,7 @@
                 <a:latin typeface="Courier New" panose="02070309020205020404" pitchFamily="49" charset="0"/>
                 <a:cs typeface="Courier New" panose="02070309020205020404" pitchFamily="49" charset="0"/>
               </a:rPr>
-              <a:t>**</a:t>
-            </a:r>
-            <a:r>
-              <a:rPr kumimoji="0" lang="uk-UA" altLang="uk-UA" sz="1600" b="0" i="0" u="none" strike="noStrike" cap="none" normalizeH="0" baseline="0" dirty="0" err="1">
-                <a:ln>
-                  <a:noFill/>
-                </a:ln>
-                <a:solidFill>
-                  <a:schemeClr val="tx1"/>
-                </a:solidFill>
-                <a:effectLst/>
-                <a:latin typeface="Courier New" panose="02070309020205020404" pitchFamily="49" charset="0"/>
-                <a:cs typeface="Courier New" panose="02070309020205020404" pitchFamily="49" charset="0"/>
-              </a:rPr>
-              <a:t>args</a:t>
+              <a:t>*args</a:t>
             </a:r>
             <a:r>
               <a:rPr kumimoji="0" lang="uk-UA" altLang="uk-UA" sz="1600" b="0" i="0" u="none" strike="noStrike" cap="none" normalizeH="0" baseline="0" dirty="0">
